--- a/images/azure-deploy-mode/mode.pptx
+++ b/images/azure-deploy-mode/mode.pptx
@@ -5,8 +5,8 @@
     <p:sldMasterId id="2147483648" r:id="rId1"/>
   </p:sldMasterIdLst>
   <p:sldIdLst>
-    <p:sldId id="256" r:id="rId2"/>
-    <p:sldId id="257" r:id="rId3"/>
+    <p:sldId id="258" r:id="rId2"/>
+    <p:sldId id="259" r:id="rId3"/>
   </p:sldIdLst>
   <p:sldSz cx="12192000" cy="6858000"/>
   <p:notesSz cx="6858000" cy="9144000"/>
@@ -105,6 +105,11 @@
       </a:defRPr>
     </a:lvl9pPr>
   </p:defaultTextStyle>
+  <p:extLst>
+    <p:ext uri="{EFAFB233-063F-42B5-8137-9DF3F51BA10A}">
+      <p15:sldGuideLst xmlns:p15="http://schemas.microsoft.com/office/powerpoint/2012/main"/>
+    </p:ext>
+  </p:extLst>
 </p:presentation>
 </file>
 
@@ -255,7 +260,7 @@
           <a:p>
             <a:fld id="{4B9D1A6E-3C58-1D45-AADE-12B2C327F14C}" type="datetimeFigureOut">
               <a:rPr kumimoji="1" lang="ja-JP" altLang="en-US" smtClean="0"/>
-              <a:t>2022/9/30</a:t>
+              <a:t>2022/10/3</a:t>
             </a:fld>
             <a:endParaRPr kumimoji="1" lang="ja-JP" altLang="en-US"/>
           </a:p>
@@ -485,7 +490,7 @@
           <a:p>
             <a:fld id="{4B9D1A6E-3C58-1D45-AADE-12B2C327F14C}" type="datetimeFigureOut">
               <a:rPr kumimoji="1" lang="ja-JP" altLang="en-US" smtClean="0"/>
-              <a:t>2022/9/30</a:t>
+              <a:t>2022/10/3</a:t>
             </a:fld>
             <a:endParaRPr kumimoji="1" lang="ja-JP" altLang="en-US"/>
           </a:p>
@@ -725,7 +730,7 @@
           <a:p>
             <a:fld id="{4B9D1A6E-3C58-1D45-AADE-12B2C327F14C}" type="datetimeFigureOut">
               <a:rPr kumimoji="1" lang="ja-JP" altLang="en-US" smtClean="0"/>
-              <a:t>2022/9/30</a:t>
+              <a:t>2022/10/3</a:t>
             </a:fld>
             <a:endParaRPr kumimoji="1" lang="ja-JP" altLang="en-US"/>
           </a:p>
@@ -955,7 +960,7 @@
           <a:p>
             <a:fld id="{4B9D1A6E-3C58-1D45-AADE-12B2C327F14C}" type="datetimeFigureOut">
               <a:rPr kumimoji="1" lang="ja-JP" altLang="en-US" smtClean="0"/>
-              <a:t>2022/9/30</a:t>
+              <a:t>2022/10/3</a:t>
             </a:fld>
             <a:endParaRPr kumimoji="1" lang="ja-JP" altLang="en-US"/>
           </a:p>
@@ -1230,7 +1235,7 @@
           <a:p>
             <a:fld id="{4B9D1A6E-3C58-1D45-AADE-12B2C327F14C}" type="datetimeFigureOut">
               <a:rPr kumimoji="1" lang="ja-JP" altLang="en-US" smtClean="0"/>
-              <a:t>2022/9/30</a:t>
+              <a:t>2022/10/3</a:t>
             </a:fld>
             <a:endParaRPr kumimoji="1" lang="ja-JP" altLang="en-US"/>
           </a:p>
@@ -1559,7 +1564,7 @@
           <a:p>
             <a:fld id="{4B9D1A6E-3C58-1D45-AADE-12B2C327F14C}" type="datetimeFigureOut">
               <a:rPr kumimoji="1" lang="ja-JP" altLang="en-US" smtClean="0"/>
-              <a:t>2022/9/30</a:t>
+              <a:t>2022/10/3</a:t>
             </a:fld>
             <a:endParaRPr kumimoji="1" lang="ja-JP" altLang="en-US"/>
           </a:p>
@@ -2035,7 +2040,7 @@
           <a:p>
             <a:fld id="{4B9D1A6E-3C58-1D45-AADE-12B2C327F14C}" type="datetimeFigureOut">
               <a:rPr kumimoji="1" lang="ja-JP" altLang="en-US" smtClean="0"/>
-              <a:t>2022/9/30</a:t>
+              <a:t>2022/10/3</a:t>
             </a:fld>
             <a:endParaRPr kumimoji="1" lang="ja-JP" altLang="en-US"/>
           </a:p>
@@ -2176,7 +2181,7 @@
           <a:p>
             <a:fld id="{4B9D1A6E-3C58-1D45-AADE-12B2C327F14C}" type="datetimeFigureOut">
               <a:rPr kumimoji="1" lang="ja-JP" altLang="en-US" smtClean="0"/>
-              <a:t>2022/9/30</a:t>
+              <a:t>2022/10/3</a:t>
             </a:fld>
             <a:endParaRPr kumimoji="1" lang="ja-JP" altLang="en-US"/>
           </a:p>
@@ -2289,7 +2294,7 @@
           <a:p>
             <a:fld id="{4B9D1A6E-3C58-1D45-AADE-12B2C327F14C}" type="datetimeFigureOut">
               <a:rPr kumimoji="1" lang="ja-JP" altLang="en-US" smtClean="0"/>
-              <a:t>2022/9/30</a:t>
+              <a:t>2022/10/3</a:t>
             </a:fld>
             <a:endParaRPr kumimoji="1" lang="ja-JP" altLang="en-US"/>
           </a:p>
@@ -2632,7 +2637,7 @@
           <a:p>
             <a:fld id="{4B9D1A6E-3C58-1D45-AADE-12B2C327F14C}" type="datetimeFigureOut">
               <a:rPr kumimoji="1" lang="ja-JP" altLang="en-US" smtClean="0"/>
-              <a:t>2022/9/30</a:t>
+              <a:t>2022/10/3</a:t>
             </a:fld>
             <a:endParaRPr kumimoji="1" lang="ja-JP" altLang="en-US"/>
           </a:p>
@@ -2920,7 +2925,7 @@
           <a:p>
             <a:fld id="{4B9D1A6E-3C58-1D45-AADE-12B2C327F14C}" type="datetimeFigureOut">
               <a:rPr kumimoji="1" lang="ja-JP" altLang="en-US" smtClean="0"/>
-              <a:t>2022/9/30</a:t>
+              <a:t>2022/10/3</a:t>
             </a:fld>
             <a:endParaRPr kumimoji="1" lang="ja-JP" altLang="en-US"/>
           </a:p>
@@ -3193,7 +3198,7 @@
           <a:p>
             <a:fld id="{4B9D1A6E-3C58-1D45-AADE-12B2C327F14C}" type="datetimeFigureOut">
               <a:rPr kumimoji="1" lang="ja-JP" altLang="en-US" smtClean="0"/>
-              <a:t>2022/9/30</a:t>
+              <a:t>2022/10/3</a:t>
             </a:fld>
             <a:endParaRPr kumimoji="1" lang="ja-JP" altLang="en-US"/>
           </a:p>
@@ -3612,848 +3617,19 @@
       </p:grpSpPr>
       <p:sp>
         <p:nvSpPr>
-          <p:cNvPr id="4" name="テキスト ボックス 3">
-            <a:extLst>
-              <a:ext uri="{FF2B5EF4-FFF2-40B4-BE49-F238E27FC236}">
-                <a16:creationId xmlns:a16="http://schemas.microsoft.com/office/drawing/2014/main" id="{C8EF9DF9-8EFA-9CD4-1B98-0F57667B74A2}"/>
-              </a:ext>
-            </a:extLst>
-          </p:cNvPr>
-          <p:cNvSpPr txBox="1"/>
+          <p:cNvPr id="6" name="正方形/長方形 5">
+            <a:extLst>
+              <a:ext uri="{FF2B5EF4-FFF2-40B4-BE49-F238E27FC236}">
+                <a16:creationId xmlns:a16="http://schemas.microsoft.com/office/drawing/2014/main" id="{553836BA-5CA1-FA95-E93C-57103F4FE671}"/>
+              </a:ext>
+            </a:extLst>
+          </p:cNvPr>
+          <p:cNvSpPr/>
           <p:nvPr/>
         </p:nvSpPr>
         <p:spPr>
           <a:xfrm>
-            <a:off x="9567464" y="850588"/>
-            <a:ext cx="1569660" cy="369332"/>
-          </a:xfrm>
-          <a:prstGeom prst="rect">
-            <a:avLst/>
-          </a:prstGeom>
-          <a:noFill/>
-        </p:spPr>
-        <p:txBody>
-          <a:bodyPr wrap="none" rtlCol="0">
-            <a:spAutoFit/>
-          </a:bodyPr>
-          <a:lstStyle/>
-          <a:p>
-            <a:r>
-              <a:rPr kumimoji="1" lang="ja-JP" altLang="en-US"/>
-              <a:t>テンプレート</a:t>
-            </a:r>
-          </a:p>
-        </p:txBody>
-      </p:sp>
-      <p:sp>
-        <p:nvSpPr>
-          <p:cNvPr id="5" name="テキスト ボックス 4">
-            <a:extLst>
-              <a:ext uri="{FF2B5EF4-FFF2-40B4-BE49-F238E27FC236}">
-                <a16:creationId xmlns:a16="http://schemas.microsoft.com/office/drawing/2014/main" id="{BC40C5A5-B827-CD62-16E1-7B33C2188DAA}"/>
-              </a:ext>
-            </a:extLst>
-          </p:cNvPr>
-          <p:cNvSpPr txBox="1"/>
-          <p:nvPr/>
-        </p:nvSpPr>
-        <p:spPr>
-          <a:xfrm>
-            <a:off x="9567464" y="3253445"/>
-            <a:ext cx="1800493" cy="369332"/>
-          </a:xfrm>
-          <a:prstGeom prst="rect">
-            <a:avLst/>
-          </a:prstGeom>
-          <a:noFill/>
-        </p:spPr>
-        <p:txBody>
-          <a:bodyPr wrap="none" rtlCol="0">
-            <a:spAutoFit/>
-          </a:bodyPr>
-          <a:lstStyle/>
-          <a:p>
-            <a:r>
-              <a:rPr lang="ja-JP" altLang="en-US"/>
-              <a:t>現在の</a:t>
-            </a:r>
-            <a:r>
-              <a:rPr kumimoji="1" lang="ja-JP" altLang="en-US"/>
-              <a:t>リソース</a:t>
-            </a:r>
-          </a:p>
-        </p:txBody>
-      </p:sp>
-      <p:sp>
-        <p:nvSpPr>
-          <p:cNvPr id="6" name="正方形/長方形 5">
-            <a:extLst>
-              <a:ext uri="{FF2B5EF4-FFF2-40B4-BE49-F238E27FC236}">
-                <a16:creationId xmlns:a16="http://schemas.microsoft.com/office/drawing/2014/main" id="{553836BA-5CA1-FA95-E93C-57103F4FE671}"/>
-              </a:ext>
-            </a:extLst>
-          </p:cNvPr>
-          <p:cNvSpPr/>
-          <p:nvPr/>
-        </p:nvSpPr>
-        <p:spPr>
-          <a:xfrm>
-            <a:off x="1259457" y="225258"/>
-            <a:ext cx="7962181" cy="1740763"/>
-          </a:xfrm>
-          <a:prstGeom prst="rect">
-            <a:avLst/>
-          </a:prstGeom>
-          <a:solidFill>
-            <a:schemeClr val="accent1">
-              <a:lumMod val="20000"/>
-              <a:lumOff val="80000"/>
-            </a:schemeClr>
-          </a:solidFill>
-          <a:ln>
-            <a:noFill/>
-          </a:ln>
-        </p:spPr>
-        <p:style>
-          <a:lnRef idx="2">
-            <a:schemeClr val="accent1">
-              <a:shade val="50000"/>
-            </a:schemeClr>
-          </a:lnRef>
-          <a:fillRef idx="1">
-            <a:schemeClr val="accent1"/>
-          </a:fillRef>
-          <a:effectRef idx="0">
-            <a:schemeClr val="accent1"/>
-          </a:effectRef>
-          <a:fontRef idx="minor">
-            <a:schemeClr val="lt1"/>
-          </a:fontRef>
-        </p:style>
-        <p:txBody>
-          <a:bodyPr rtlCol="0" anchor="ctr"/>
-          <a:lstStyle/>
-          <a:p>
-            <a:pPr algn="ctr"/>
-            <a:endParaRPr kumimoji="1" lang="ja-JP" altLang="en-US"/>
-          </a:p>
-        </p:txBody>
-      </p:sp>
-      <p:sp>
-        <p:nvSpPr>
-          <p:cNvPr id="7" name="正方形/長方形 6">
-            <a:extLst>
-              <a:ext uri="{FF2B5EF4-FFF2-40B4-BE49-F238E27FC236}">
-                <a16:creationId xmlns:a16="http://schemas.microsoft.com/office/drawing/2014/main" id="{58B8FE4F-7721-1826-BB6B-3EBAB806E876}"/>
-              </a:ext>
-            </a:extLst>
-          </p:cNvPr>
-          <p:cNvSpPr/>
-          <p:nvPr/>
-        </p:nvSpPr>
-        <p:spPr>
-          <a:xfrm>
-            <a:off x="1259457" y="2567730"/>
-            <a:ext cx="7962181" cy="1740763"/>
-          </a:xfrm>
-          <a:prstGeom prst="rect">
-            <a:avLst/>
-          </a:prstGeom>
-          <a:solidFill>
-            <a:schemeClr val="accent1">
-              <a:lumMod val="20000"/>
-              <a:lumOff val="80000"/>
-            </a:schemeClr>
-          </a:solidFill>
-          <a:ln>
-            <a:noFill/>
-          </a:ln>
-        </p:spPr>
-        <p:style>
-          <a:lnRef idx="2">
-            <a:schemeClr val="accent1">
-              <a:shade val="50000"/>
-            </a:schemeClr>
-          </a:lnRef>
-          <a:fillRef idx="1">
-            <a:schemeClr val="accent1"/>
-          </a:fillRef>
-          <a:effectRef idx="0">
-            <a:schemeClr val="accent1"/>
-          </a:effectRef>
-          <a:fontRef idx="minor">
-            <a:schemeClr val="lt1"/>
-          </a:fontRef>
-        </p:style>
-        <p:txBody>
-          <a:bodyPr rtlCol="0" anchor="ctr"/>
-          <a:lstStyle/>
-          <a:p>
-            <a:pPr algn="ctr"/>
-            <a:endParaRPr kumimoji="1" lang="ja-JP" altLang="en-US"/>
-          </a:p>
-        </p:txBody>
-      </p:sp>
-      <p:sp>
-        <p:nvSpPr>
-          <p:cNvPr id="8" name="正方形/長方形 7">
-            <a:extLst>
-              <a:ext uri="{FF2B5EF4-FFF2-40B4-BE49-F238E27FC236}">
-                <a16:creationId xmlns:a16="http://schemas.microsoft.com/office/drawing/2014/main" id="{34219F5C-FEC4-0337-980C-F2BF77C9AF35}"/>
-              </a:ext>
-            </a:extLst>
-          </p:cNvPr>
-          <p:cNvSpPr/>
-          <p:nvPr/>
-        </p:nvSpPr>
-        <p:spPr>
-          <a:xfrm>
-            <a:off x="1259457" y="4970588"/>
-            <a:ext cx="7962181" cy="1740763"/>
-          </a:xfrm>
-          <a:prstGeom prst="rect">
-            <a:avLst/>
-          </a:prstGeom>
-          <a:solidFill>
-            <a:schemeClr val="accent1">
-              <a:lumMod val="20000"/>
-              <a:lumOff val="80000"/>
-            </a:schemeClr>
-          </a:solidFill>
-          <a:ln>
-            <a:noFill/>
-          </a:ln>
-        </p:spPr>
-        <p:style>
-          <a:lnRef idx="2">
-            <a:schemeClr val="accent1">
-              <a:shade val="50000"/>
-            </a:schemeClr>
-          </a:lnRef>
-          <a:fillRef idx="1">
-            <a:schemeClr val="accent1"/>
-          </a:fillRef>
-          <a:effectRef idx="0">
-            <a:schemeClr val="accent1"/>
-          </a:effectRef>
-          <a:fontRef idx="minor">
-            <a:schemeClr val="lt1"/>
-          </a:fontRef>
-        </p:style>
-        <p:txBody>
-          <a:bodyPr rtlCol="0" anchor="ctr"/>
-          <a:lstStyle/>
-          <a:p>
-            <a:pPr algn="ctr"/>
-            <a:endParaRPr kumimoji="1" lang="ja-JP" altLang="en-US"/>
-          </a:p>
-        </p:txBody>
-      </p:sp>
-      <p:sp>
-        <p:nvSpPr>
-          <p:cNvPr id="9" name="テキスト ボックス 8">
-            <a:extLst>
-              <a:ext uri="{FF2B5EF4-FFF2-40B4-BE49-F238E27FC236}">
-                <a16:creationId xmlns:a16="http://schemas.microsoft.com/office/drawing/2014/main" id="{718B5713-3DC0-9689-DBE9-B10B4DCDCF2C}"/>
-              </a:ext>
-            </a:extLst>
-          </p:cNvPr>
-          <p:cNvSpPr txBox="1"/>
-          <p:nvPr/>
-        </p:nvSpPr>
-        <p:spPr>
-          <a:xfrm>
-            <a:off x="9567464" y="5638080"/>
-            <a:ext cx="1569660" cy="369332"/>
-          </a:xfrm>
-          <a:prstGeom prst="rect">
-            <a:avLst/>
-          </a:prstGeom>
-          <a:noFill/>
-        </p:spPr>
-        <p:txBody>
-          <a:bodyPr wrap="none" rtlCol="0">
-            <a:spAutoFit/>
-          </a:bodyPr>
-          <a:lstStyle/>
-          <a:p>
-            <a:r>
-              <a:rPr kumimoji="1" lang="ja-JP" altLang="en-US"/>
-              <a:t>デプロイ結果</a:t>
-            </a:r>
-          </a:p>
-        </p:txBody>
-      </p:sp>
-      <p:sp>
-        <p:nvSpPr>
-          <p:cNvPr id="13" name="角丸四角形 12">
-            <a:extLst>
-              <a:ext uri="{FF2B5EF4-FFF2-40B4-BE49-F238E27FC236}">
-                <a16:creationId xmlns:a16="http://schemas.microsoft.com/office/drawing/2014/main" id="{6BF9DD0E-CAA8-E5DB-EC38-9B9CAE53400A}"/>
-              </a:ext>
-            </a:extLst>
-          </p:cNvPr>
-          <p:cNvSpPr/>
-          <p:nvPr/>
-        </p:nvSpPr>
-        <p:spPr>
-          <a:xfrm>
-            <a:off x="4490767" y="504726"/>
-            <a:ext cx="1499559" cy="1061049"/>
-          </a:xfrm>
-          <a:prstGeom prst="roundRect">
-            <a:avLst/>
-          </a:prstGeom>
-        </p:spPr>
-        <p:style>
-          <a:lnRef idx="2">
-            <a:schemeClr val="accent1">
-              <a:shade val="50000"/>
-            </a:schemeClr>
-          </a:lnRef>
-          <a:fillRef idx="1">
-            <a:schemeClr val="accent1"/>
-          </a:fillRef>
-          <a:effectRef idx="0">
-            <a:schemeClr val="accent1"/>
-          </a:effectRef>
-          <a:fontRef idx="minor">
-            <a:schemeClr val="lt1"/>
-          </a:fontRef>
-        </p:style>
-        <p:txBody>
-          <a:bodyPr rtlCol="0" anchor="ctr"/>
-          <a:lstStyle/>
-          <a:p>
-            <a:pPr algn="ctr"/>
-            <a:r>
-              <a:rPr lang="ja-JP" altLang="en-US"/>
-              <a:t>リソース</a:t>
-            </a:r>
-            <a:r>
-              <a:rPr lang="en-US" altLang="ja-JP" dirty="0"/>
-              <a:t>B</a:t>
-            </a:r>
-          </a:p>
-          <a:p>
-            <a:pPr algn="ctr"/>
-            <a:r>
-              <a:rPr kumimoji="1" lang="en-US" altLang="ja-JP" sz="1200" dirty="0"/>
-              <a:t>SKU : Standard</a:t>
-            </a:r>
-            <a:endParaRPr kumimoji="1" lang="ja-JP" altLang="en-US" sz="1200"/>
-          </a:p>
-        </p:txBody>
-      </p:sp>
-      <p:sp>
-        <p:nvSpPr>
-          <p:cNvPr id="14" name="角丸四角形 13">
-            <a:extLst>
-              <a:ext uri="{FF2B5EF4-FFF2-40B4-BE49-F238E27FC236}">
-                <a16:creationId xmlns:a16="http://schemas.microsoft.com/office/drawing/2014/main" id="{6C40A756-C5A0-EDF6-9379-94729DFE91FB}"/>
-              </a:ext>
-            </a:extLst>
-          </p:cNvPr>
-          <p:cNvSpPr/>
-          <p:nvPr/>
-        </p:nvSpPr>
-        <p:spPr>
-          <a:xfrm>
-            <a:off x="1736450" y="504726"/>
-            <a:ext cx="1499559" cy="1061049"/>
-          </a:xfrm>
-          <a:prstGeom prst="roundRect">
-            <a:avLst/>
-          </a:prstGeom>
-        </p:spPr>
-        <p:style>
-          <a:lnRef idx="2">
-            <a:schemeClr val="accent1">
-              <a:shade val="50000"/>
-            </a:schemeClr>
-          </a:lnRef>
-          <a:fillRef idx="1">
-            <a:schemeClr val="accent1"/>
-          </a:fillRef>
-          <a:effectRef idx="0">
-            <a:schemeClr val="accent1"/>
-          </a:effectRef>
-          <a:fontRef idx="minor">
-            <a:schemeClr val="lt1"/>
-          </a:fontRef>
-        </p:style>
-        <p:txBody>
-          <a:bodyPr rtlCol="0" anchor="ctr"/>
-          <a:lstStyle/>
-          <a:p>
-            <a:pPr algn="ctr"/>
-            <a:r>
-              <a:rPr lang="ja-JP" altLang="en-US"/>
-              <a:t>リソース</a:t>
-            </a:r>
-            <a:r>
-              <a:rPr lang="en-US" altLang="ja-JP" dirty="0"/>
-              <a:t>A</a:t>
-            </a:r>
-            <a:endParaRPr kumimoji="1" lang="ja-JP" altLang="en-US"/>
-          </a:p>
-        </p:txBody>
-      </p:sp>
-      <p:sp>
-        <p:nvSpPr>
-          <p:cNvPr id="15" name="角丸四角形 14">
-            <a:extLst>
-              <a:ext uri="{FF2B5EF4-FFF2-40B4-BE49-F238E27FC236}">
-                <a16:creationId xmlns:a16="http://schemas.microsoft.com/office/drawing/2014/main" id="{D3F84367-09B7-A15D-2282-636A8DE7E21C}"/>
-              </a:ext>
-            </a:extLst>
-          </p:cNvPr>
-          <p:cNvSpPr/>
-          <p:nvPr/>
-        </p:nvSpPr>
-        <p:spPr>
-          <a:xfrm>
-            <a:off x="6970143" y="2898476"/>
-            <a:ext cx="1499559" cy="1061049"/>
-          </a:xfrm>
-          <a:prstGeom prst="roundRect">
-            <a:avLst/>
-          </a:prstGeom>
-        </p:spPr>
-        <p:style>
-          <a:lnRef idx="2">
-            <a:schemeClr val="accent1">
-              <a:shade val="50000"/>
-            </a:schemeClr>
-          </a:lnRef>
-          <a:fillRef idx="1">
-            <a:schemeClr val="accent1"/>
-          </a:fillRef>
-          <a:effectRef idx="0">
-            <a:schemeClr val="accent1"/>
-          </a:effectRef>
-          <a:fontRef idx="minor">
-            <a:schemeClr val="lt1"/>
-          </a:fontRef>
-        </p:style>
-        <p:txBody>
-          <a:bodyPr rtlCol="0" anchor="ctr"/>
-          <a:lstStyle/>
-          <a:p>
-            <a:pPr algn="ctr"/>
-            <a:r>
-              <a:rPr lang="ja-JP" altLang="en-US"/>
-              <a:t>リソース</a:t>
-            </a:r>
-            <a:r>
-              <a:rPr lang="en-US" altLang="ja-JP" dirty="0"/>
-              <a:t>C</a:t>
-            </a:r>
-            <a:endParaRPr kumimoji="1" lang="ja-JP" altLang="en-US"/>
-          </a:p>
-        </p:txBody>
-      </p:sp>
-      <p:sp>
-        <p:nvSpPr>
-          <p:cNvPr id="16" name="角丸四角形 15">
-            <a:extLst>
-              <a:ext uri="{FF2B5EF4-FFF2-40B4-BE49-F238E27FC236}">
-                <a16:creationId xmlns:a16="http://schemas.microsoft.com/office/drawing/2014/main" id="{9371F83C-FA46-DE54-A8EC-7D5077A22E67}"/>
-              </a:ext>
-            </a:extLst>
-          </p:cNvPr>
-          <p:cNvSpPr/>
-          <p:nvPr/>
-        </p:nvSpPr>
-        <p:spPr>
-          <a:xfrm>
-            <a:off x="4490767" y="2898475"/>
-            <a:ext cx="1499559" cy="1061049"/>
-          </a:xfrm>
-          <a:prstGeom prst="roundRect">
-            <a:avLst/>
-          </a:prstGeom>
-        </p:spPr>
-        <p:style>
-          <a:lnRef idx="2">
-            <a:schemeClr val="accent1">
-              <a:shade val="50000"/>
-            </a:schemeClr>
-          </a:lnRef>
-          <a:fillRef idx="1">
-            <a:schemeClr val="accent1"/>
-          </a:fillRef>
-          <a:effectRef idx="0">
-            <a:schemeClr val="accent1"/>
-          </a:effectRef>
-          <a:fontRef idx="minor">
-            <a:schemeClr val="lt1"/>
-          </a:fontRef>
-        </p:style>
-        <p:txBody>
-          <a:bodyPr rtlCol="0" anchor="ctr"/>
-          <a:lstStyle/>
-          <a:p>
-            <a:pPr algn="ctr"/>
-            <a:r>
-              <a:rPr lang="ja-JP" altLang="en-US"/>
-              <a:t>リソース</a:t>
-            </a:r>
-            <a:r>
-              <a:rPr lang="en-US" altLang="ja-JP" dirty="0"/>
-              <a:t>B</a:t>
-            </a:r>
-          </a:p>
-          <a:p>
-            <a:pPr marL="0" marR="0" lvl="0" indent="0" algn="ctr" defTabSz="914400" rtl="0" eaLnBrk="1" fontAlgn="auto" latinLnBrk="0" hangingPunct="1">
-              <a:lnSpc>
-                <a:spcPct val="100000"/>
-              </a:lnSpc>
-              <a:spcBef>
-                <a:spcPts val="0"/>
-              </a:spcBef>
-              <a:spcAft>
-                <a:spcPts val="0"/>
-              </a:spcAft>
-              <a:buClrTx/>
-              <a:buSzTx/>
-              <a:buFontTx/>
-              <a:buNone/>
-              <a:tabLst/>
-              <a:defRPr/>
-            </a:pPr>
-            <a:r>
-              <a:rPr kumimoji="1" lang="en-US" altLang="ja-JP" sz="1200" b="0" i="0" u="none" strike="noStrike" kern="1200" cap="none" spc="0" normalizeH="0" baseline="0" noProof="0" dirty="0">
-                <a:ln>
-                  <a:noFill/>
-                </a:ln>
-                <a:solidFill>
-                  <a:prstClr val="white"/>
-                </a:solidFill>
-                <a:effectLst/>
-                <a:uLnTx/>
-                <a:uFillTx/>
-                <a:latin typeface="游ゴシック" panose="020F0502020204030204"/>
-                <a:ea typeface="游ゴシック" panose="020B0400000000000000" pitchFamily="34" charset="-128"/>
-                <a:cs typeface="+mn-cs"/>
-              </a:rPr>
-              <a:t>SKU : </a:t>
-            </a:r>
-            <a:r>
-              <a:rPr lang="en-US" altLang="ja-JP" sz="1200" dirty="0">
-                <a:solidFill>
-                  <a:prstClr val="white"/>
-                </a:solidFill>
-                <a:latin typeface="游ゴシック" panose="020F0502020204030204"/>
-                <a:ea typeface="游ゴシック" panose="020B0400000000000000" pitchFamily="34" charset="-128"/>
-              </a:rPr>
-              <a:t>Free</a:t>
-            </a:r>
-            <a:endParaRPr kumimoji="1" lang="ja-JP" altLang="en-US" sz="1200" b="0" i="0" u="none" strike="noStrike" kern="1200" cap="none" spc="0" normalizeH="0" baseline="0" noProof="0">
-              <a:ln>
-                <a:noFill/>
-              </a:ln>
-              <a:solidFill>
-                <a:prstClr val="white"/>
-              </a:solidFill>
-              <a:effectLst/>
-              <a:uLnTx/>
-              <a:uFillTx/>
-              <a:latin typeface="游ゴシック" panose="020F0502020204030204"/>
-              <a:ea typeface="游ゴシック" panose="020B0400000000000000" pitchFamily="34" charset="-128"/>
-              <a:cs typeface="+mn-cs"/>
-            </a:endParaRPr>
-          </a:p>
-        </p:txBody>
-      </p:sp>
-      <p:sp>
-        <p:nvSpPr>
-          <p:cNvPr id="17" name="角丸四角形 16">
-            <a:extLst>
-              <a:ext uri="{FF2B5EF4-FFF2-40B4-BE49-F238E27FC236}">
-                <a16:creationId xmlns:a16="http://schemas.microsoft.com/office/drawing/2014/main" id="{20550739-5451-0901-3BD6-52C5E991E227}"/>
-              </a:ext>
-            </a:extLst>
-          </p:cNvPr>
-          <p:cNvSpPr/>
-          <p:nvPr/>
-        </p:nvSpPr>
-        <p:spPr>
-          <a:xfrm>
-            <a:off x="4490767" y="5371381"/>
-            <a:ext cx="1499559" cy="1061049"/>
-          </a:xfrm>
-          <a:prstGeom prst="roundRect">
-            <a:avLst/>
-          </a:prstGeom>
-        </p:spPr>
-        <p:style>
-          <a:lnRef idx="2">
-            <a:schemeClr val="accent1">
-              <a:shade val="50000"/>
-            </a:schemeClr>
-          </a:lnRef>
-          <a:fillRef idx="1">
-            <a:schemeClr val="accent1"/>
-          </a:fillRef>
-          <a:effectRef idx="0">
-            <a:schemeClr val="accent1"/>
-          </a:effectRef>
-          <a:fontRef idx="minor">
-            <a:schemeClr val="lt1"/>
-          </a:fontRef>
-        </p:style>
-        <p:txBody>
-          <a:bodyPr rtlCol="0" anchor="ctr"/>
-          <a:lstStyle/>
-          <a:p>
-            <a:pPr algn="ctr"/>
-            <a:r>
-              <a:rPr lang="ja-JP" altLang="en-US"/>
-              <a:t>リソース</a:t>
-            </a:r>
-            <a:r>
-              <a:rPr lang="en-US" altLang="ja-JP" dirty="0"/>
-              <a:t>B</a:t>
-            </a:r>
-          </a:p>
-          <a:p>
-            <a:pPr algn="ctr"/>
-            <a:r>
-              <a:rPr kumimoji="1" lang="en-US" altLang="ja-JP" sz="1200" dirty="0"/>
-              <a:t>SKU : Standard</a:t>
-            </a:r>
-            <a:endParaRPr kumimoji="1" lang="ja-JP" altLang="en-US" sz="1200"/>
-          </a:p>
-        </p:txBody>
-      </p:sp>
-      <p:sp>
-        <p:nvSpPr>
-          <p:cNvPr id="18" name="角丸四角形 17">
-            <a:extLst>
-              <a:ext uri="{FF2B5EF4-FFF2-40B4-BE49-F238E27FC236}">
-                <a16:creationId xmlns:a16="http://schemas.microsoft.com/office/drawing/2014/main" id="{4D83979B-2BD8-0090-5B3F-458A17FD6232}"/>
-              </a:ext>
-            </a:extLst>
-          </p:cNvPr>
-          <p:cNvSpPr/>
-          <p:nvPr/>
-        </p:nvSpPr>
-        <p:spPr>
-          <a:xfrm>
-            <a:off x="1736450" y="5371381"/>
-            <a:ext cx="1499559" cy="1061049"/>
-          </a:xfrm>
-          <a:prstGeom prst="roundRect">
-            <a:avLst/>
-          </a:prstGeom>
-        </p:spPr>
-        <p:style>
-          <a:lnRef idx="2">
-            <a:schemeClr val="accent1">
-              <a:shade val="50000"/>
-            </a:schemeClr>
-          </a:lnRef>
-          <a:fillRef idx="1">
-            <a:schemeClr val="accent1"/>
-          </a:fillRef>
-          <a:effectRef idx="0">
-            <a:schemeClr val="accent1"/>
-          </a:effectRef>
-          <a:fontRef idx="minor">
-            <a:schemeClr val="lt1"/>
-          </a:fontRef>
-        </p:style>
-        <p:txBody>
-          <a:bodyPr rtlCol="0" anchor="ctr"/>
-          <a:lstStyle/>
-          <a:p>
-            <a:pPr algn="ctr"/>
-            <a:r>
-              <a:rPr lang="ja-JP" altLang="en-US"/>
-              <a:t>リソース</a:t>
-            </a:r>
-            <a:r>
-              <a:rPr lang="en-US" altLang="ja-JP" dirty="0"/>
-              <a:t>A</a:t>
-            </a:r>
-            <a:endParaRPr kumimoji="1" lang="ja-JP" altLang="en-US"/>
-          </a:p>
-        </p:txBody>
-      </p:sp>
-      <p:sp>
-        <p:nvSpPr>
-          <p:cNvPr id="19" name="角丸四角形 18">
-            <a:extLst>
-              <a:ext uri="{FF2B5EF4-FFF2-40B4-BE49-F238E27FC236}">
-                <a16:creationId xmlns:a16="http://schemas.microsoft.com/office/drawing/2014/main" id="{CF0A26D5-8406-7FE2-F517-E33EA06E993B}"/>
-              </a:ext>
-            </a:extLst>
-          </p:cNvPr>
-          <p:cNvSpPr/>
-          <p:nvPr/>
-        </p:nvSpPr>
-        <p:spPr>
-          <a:xfrm>
-            <a:off x="6970143" y="5371381"/>
-            <a:ext cx="1499559" cy="1061049"/>
-          </a:xfrm>
-          <a:prstGeom prst="roundRect">
-            <a:avLst/>
-          </a:prstGeom>
-        </p:spPr>
-        <p:style>
-          <a:lnRef idx="2">
-            <a:schemeClr val="accent1">
-              <a:shade val="50000"/>
-            </a:schemeClr>
-          </a:lnRef>
-          <a:fillRef idx="1">
-            <a:schemeClr val="accent1"/>
-          </a:fillRef>
-          <a:effectRef idx="0">
-            <a:schemeClr val="accent1"/>
-          </a:effectRef>
-          <a:fontRef idx="minor">
-            <a:schemeClr val="lt1"/>
-          </a:fontRef>
-        </p:style>
-        <p:txBody>
-          <a:bodyPr rtlCol="0" anchor="ctr"/>
-          <a:lstStyle/>
-          <a:p>
-            <a:pPr algn="ctr"/>
-            <a:r>
-              <a:rPr lang="ja-JP" altLang="en-US"/>
-              <a:t>リソース</a:t>
-            </a:r>
-            <a:r>
-              <a:rPr lang="en-US" altLang="ja-JP" dirty="0"/>
-              <a:t>C</a:t>
-            </a:r>
-            <a:endParaRPr kumimoji="1" lang="ja-JP" altLang="en-US"/>
-          </a:p>
-        </p:txBody>
-      </p:sp>
-    </p:spTree>
-    <p:extLst>
-      <p:ext uri="{BB962C8B-B14F-4D97-AF65-F5344CB8AC3E}">
-        <p14:creationId xmlns:p14="http://schemas.microsoft.com/office/powerpoint/2010/main" val="3387678380"/>
-      </p:ext>
-    </p:extLst>
-  </p:cSld>
-  <p:clrMapOvr>
-    <a:masterClrMapping/>
-  </p:clrMapOvr>
-</p:sld>
-</file>
-
-<file path=ppt/slides/slide2.xml><?xml version="1.0" encoding="utf-8"?>
-<p:sld xmlns:a="http://schemas.openxmlformats.org/drawingml/2006/main" xmlns:r="http://schemas.openxmlformats.org/officeDocument/2006/relationships" xmlns:p="http://schemas.openxmlformats.org/presentationml/2006/main">
-  <p:cSld>
-    <p:spTree>
-      <p:nvGrpSpPr>
-        <p:cNvPr id="1" name=""/>
-        <p:cNvGrpSpPr/>
-        <p:nvPr/>
-      </p:nvGrpSpPr>
-      <p:grpSpPr>
-        <a:xfrm>
-          <a:off x="0" y="0"/>
-          <a:ext cx="0" cy="0"/>
-          <a:chOff x="0" y="0"/>
-          <a:chExt cx="0" cy="0"/>
-        </a:xfrm>
-      </p:grpSpPr>
-      <p:sp>
-        <p:nvSpPr>
-          <p:cNvPr id="4" name="テキスト ボックス 3">
-            <a:extLst>
-              <a:ext uri="{FF2B5EF4-FFF2-40B4-BE49-F238E27FC236}">
-                <a16:creationId xmlns:a16="http://schemas.microsoft.com/office/drawing/2014/main" id="{C8EF9DF9-8EFA-9CD4-1B98-0F57667B74A2}"/>
-              </a:ext>
-            </a:extLst>
-          </p:cNvPr>
-          <p:cNvSpPr txBox="1"/>
-          <p:nvPr/>
-        </p:nvSpPr>
-        <p:spPr>
-          <a:xfrm>
-            <a:off x="9204386" y="856535"/>
-            <a:ext cx="1569660" cy="369332"/>
-          </a:xfrm>
-          <a:prstGeom prst="rect">
-            <a:avLst/>
-          </a:prstGeom>
-          <a:noFill/>
-        </p:spPr>
-        <p:txBody>
-          <a:bodyPr wrap="none" rtlCol="0">
-            <a:spAutoFit/>
-          </a:bodyPr>
-          <a:lstStyle/>
-          <a:p>
-            <a:r>
-              <a:rPr kumimoji="1" lang="ja-JP" altLang="en-US"/>
-              <a:t>テンプレート</a:t>
-            </a:r>
-          </a:p>
-        </p:txBody>
-      </p:sp>
-      <p:sp>
-        <p:nvSpPr>
-          <p:cNvPr id="5" name="テキスト ボックス 4">
-            <a:extLst>
-              <a:ext uri="{FF2B5EF4-FFF2-40B4-BE49-F238E27FC236}">
-                <a16:creationId xmlns:a16="http://schemas.microsoft.com/office/drawing/2014/main" id="{BC40C5A5-B827-CD62-16E1-7B33C2188DAA}"/>
-              </a:ext>
-            </a:extLst>
-          </p:cNvPr>
-          <p:cNvSpPr txBox="1"/>
-          <p:nvPr/>
-        </p:nvSpPr>
-        <p:spPr>
-          <a:xfrm>
-            <a:off x="9204386" y="2838196"/>
-            <a:ext cx="1800493" cy="369332"/>
-          </a:xfrm>
-          <a:prstGeom prst="rect">
-            <a:avLst/>
-          </a:prstGeom>
-          <a:noFill/>
-        </p:spPr>
-        <p:txBody>
-          <a:bodyPr wrap="none" rtlCol="0">
-            <a:spAutoFit/>
-          </a:bodyPr>
-          <a:lstStyle/>
-          <a:p>
-            <a:r>
-              <a:rPr lang="ja-JP" altLang="en-US"/>
-              <a:t>現在の</a:t>
-            </a:r>
-            <a:r>
-              <a:rPr kumimoji="1" lang="ja-JP" altLang="en-US"/>
-              <a:t>リソース</a:t>
-            </a:r>
-          </a:p>
-        </p:txBody>
-      </p:sp>
-      <p:sp>
-        <p:nvSpPr>
-          <p:cNvPr id="6" name="正方形/長方形 5">
-            <a:extLst>
-              <a:ext uri="{FF2B5EF4-FFF2-40B4-BE49-F238E27FC236}">
-                <a16:creationId xmlns:a16="http://schemas.microsoft.com/office/drawing/2014/main" id="{553836BA-5CA1-FA95-E93C-57103F4FE671}"/>
-              </a:ext>
-            </a:extLst>
-          </p:cNvPr>
-          <p:cNvSpPr/>
-          <p:nvPr/>
-        </p:nvSpPr>
-        <p:spPr>
-          <a:xfrm>
-            <a:off x="1242205" y="330661"/>
+            <a:off x="3114137" y="1072533"/>
             <a:ext cx="7962181" cy="1379425"/>
           </a:xfrm>
           <a:prstGeom prst="rect">
@@ -4508,7 +3684,7 @@
         </p:nvSpPr>
         <p:spPr>
           <a:xfrm>
-            <a:off x="1242205" y="2333150"/>
+            <a:off x="3114137" y="3075022"/>
             <a:ext cx="7962181" cy="1379425"/>
           </a:xfrm>
           <a:prstGeom prst="rect">
@@ -4563,7 +3739,7 @@
         </p:nvSpPr>
         <p:spPr>
           <a:xfrm>
-            <a:off x="1242205" y="4335639"/>
+            <a:off x="3114137" y="5077511"/>
             <a:ext cx="7962181" cy="1379425"/>
           </a:xfrm>
           <a:prstGeom prst="rect">
@@ -4606,54 +3782,19 @@
       </p:sp>
       <p:sp>
         <p:nvSpPr>
-          <p:cNvPr id="9" name="テキスト ボックス 8">
-            <a:extLst>
-              <a:ext uri="{FF2B5EF4-FFF2-40B4-BE49-F238E27FC236}">
-                <a16:creationId xmlns:a16="http://schemas.microsoft.com/office/drawing/2014/main" id="{718B5713-3DC0-9689-DBE9-B10B4DCDCF2C}"/>
-              </a:ext>
-            </a:extLst>
-          </p:cNvPr>
-          <p:cNvSpPr txBox="1"/>
+          <p:cNvPr id="13" name="角丸四角形 12">
+            <a:extLst>
+              <a:ext uri="{FF2B5EF4-FFF2-40B4-BE49-F238E27FC236}">
+                <a16:creationId xmlns:a16="http://schemas.microsoft.com/office/drawing/2014/main" id="{6BF9DD0E-CAA8-E5DB-EC38-9B9CAE53400A}"/>
+              </a:ext>
+            </a:extLst>
+          </p:cNvPr>
+          <p:cNvSpPr/>
           <p:nvPr/>
         </p:nvSpPr>
         <p:spPr>
           <a:xfrm>
-            <a:off x="9204386" y="4840685"/>
-            <a:ext cx="1569660" cy="369332"/>
-          </a:xfrm>
-          <a:prstGeom prst="rect">
-            <a:avLst/>
-          </a:prstGeom>
-          <a:noFill/>
-        </p:spPr>
-        <p:txBody>
-          <a:bodyPr wrap="none" rtlCol="0">
-            <a:spAutoFit/>
-          </a:bodyPr>
-          <a:lstStyle/>
-          <a:p>
-            <a:r>
-              <a:rPr kumimoji="1" lang="ja-JP" altLang="en-US"/>
-              <a:t>デプロイ結果</a:t>
-            </a:r>
-          </a:p>
-        </p:txBody>
-      </p:sp>
-      <p:sp>
-        <p:nvSpPr>
-          <p:cNvPr id="13" name="角丸四角形 12">
-            <a:extLst>
-              <a:ext uri="{FF2B5EF4-FFF2-40B4-BE49-F238E27FC236}">
-                <a16:creationId xmlns:a16="http://schemas.microsoft.com/office/drawing/2014/main" id="{6BF9DD0E-CAA8-E5DB-EC38-9B9CAE53400A}"/>
-              </a:ext>
-            </a:extLst>
-          </p:cNvPr>
-          <p:cNvSpPr/>
-          <p:nvPr/>
-        </p:nvSpPr>
-        <p:spPr>
-          <a:xfrm>
-            <a:off x="4325334" y="430045"/>
+            <a:off x="6197266" y="1171917"/>
             <a:ext cx="1499559" cy="1061049"/>
           </a:xfrm>
           <a:prstGeom prst="roundRect">
@@ -4714,7 +3855,7 @@
         </p:nvSpPr>
         <p:spPr>
           <a:xfrm>
-            <a:off x="1719198" y="430045"/>
+            <a:off x="3591130" y="1171917"/>
             <a:ext cx="1499559" cy="1061049"/>
           </a:xfrm>
           <a:prstGeom prst="roundRect">
@@ -4768,7 +3909,7 @@
         </p:nvSpPr>
         <p:spPr>
           <a:xfrm>
-            <a:off x="6952891" y="2493591"/>
+            <a:off x="8824823" y="3235463"/>
             <a:ext cx="1499559" cy="1061049"/>
           </a:xfrm>
           <a:prstGeom prst="roundRect">
@@ -4822,7 +3963,7 @@
         </p:nvSpPr>
         <p:spPr>
           <a:xfrm>
-            <a:off x="4325334" y="2493590"/>
+            <a:off x="6197266" y="3235462"/>
             <a:ext cx="1499559" cy="1061049"/>
           </a:xfrm>
           <a:prstGeom prst="roundRect">
@@ -4935,7 +4076,7 @@
         </p:nvSpPr>
         <p:spPr>
           <a:xfrm>
-            <a:off x="4325334" y="4517440"/>
+            <a:off x="6197266" y="5259312"/>
             <a:ext cx="1499559" cy="1061049"/>
           </a:xfrm>
           <a:prstGeom prst="roundRect">
@@ -4996,7 +4137,7 @@
         </p:nvSpPr>
         <p:spPr>
           <a:xfrm>
-            <a:off x="1719198" y="4517440"/>
+            <a:off x="3591130" y="5259312"/>
             <a:ext cx="1499559" cy="1061049"/>
           </a:xfrm>
           <a:prstGeom prst="roundRect">
@@ -5038,10 +4179,10 @@
       </p:sp>
       <p:sp>
         <p:nvSpPr>
-          <p:cNvPr id="19" name="角丸四角形 18">
-            <a:extLst>
-              <a:ext uri="{FF2B5EF4-FFF2-40B4-BE49-F238E27FC236}">
-                <a16:creationId xmlns:a16="http://schemas.microsoft.com/office/drawing/2014/main" id="{CF0A26D5-8406-7FE2-F517-E33EA06E993B}"/>
+          <p:cNvPr id="2" name="正方形/長方形 1">
+            <a:extLst>
+              <a:ext uri="{FF2B5EF4-FFF2-40B4-BE49-F238E27FC236}">
+                <a16:creationId xmlns:a16="http://schemas.microsoft.com/office/drawing/2014/main" id="{2D26C882-325C-FEE6-73E6-247C7B5BDEF9}"/>
               </a:ext>
             </a:extLst>
           </p:cNvPr>
@@ -5050,7 +4191,1405 @@
         </p:nvSpPr>
         <p:spPr>
           <a:xfrm>
-            <a:off x="6952891" y="4517440"/>
+            <a:off x="3423782" y="330661"/>
+            <a:ext cx="1846053" cy="6196678"/>
+          </a:xfrm>
+          <a:prstGeom prst="rect">
+            <a:avLst/>
+          </a:prstGeom>
+          <a:noFill/>
+          <a:ln w="28575">
+            <a:solidFill>
+              <a:srgbClr val="00B050"/>
+            </a:solidFill>
+            <a:prstDash val="sysDash"/>
+          </a:ln>
+        </p:spPr>
+        <p:style>
+          <a:lnRef idx="2">
+            <a:schemeClr val="accent1">
+              <a:shade val="50000"/>
+            </a:schemeClr>
+          </a:lnRef>
+          <a:fillRef idx="1">
+            <a:schemeClr val="accent1"/>
+          </a:fillRef>
+          <a:effectRef idx="0">
+            <a:schemeClr val="accent1"/>
+          </a:effectRef>
+          <a:fontRef idx="minor">
+            <a:schemeClr val="lt1"/>
+          </a:fontRef>
+        </p:style>
+        <p:txBody>
+          <a:bodyPr rtlCol="0" anchor="ctr"/>
+          <a:lstStyle/>
+          <a:p>
+            <a:pPr algn="ctr"/>
+            <a:endParaRPr kumimoji="1" lang="ja-JP" altLang="en-US"/>
+          </a:p>
+        </p:txBody>
+      </p:sp>
+      <p:sp>
+        <p:nvSpPr>
+          <p:cNvPr id="3" name="正方形/長方形 2">
+            <a:extLst>
+              <a:ext uri="{FF2B5EF4-FFF2-40B4-BE49-F238E27FC236}">
+                <a16:creationId xmlns:a16="http://schemas.microsoft.com/office/drawing/2014/main" id="{F331CF2F-FC45-1361-D1C5-F317771230C8}"/>
+              </a:ext>
+            </a:extLst>
+          </p:cNvPr>
+          <p:cNvSpPr/>
+          <p:nvPr/>
+        </p:nvSpPr>
+        <p:spPr>
+          <a:xfrm>
+            <a:off x="6024020" y="330661"/>
+            <a:ext cx="1846053" cy="6196678"/>
+          </a:xfrm>
+          <a:prstGeom prst="rect">
+            <a:avLst/>
+          </a:prstGeom>
+          <a:noFill/>
+          <a:ln w="28575">
+            <a:solidFill>
+              <a:schemeClr val="accent2"/>
+            </a:solidFill>
+            <a:prstDash val="sysDash"/>
+          </a:ln>
+        </p:spPr>
+        <p:style>
+          <a:lnRef idx="2">
+            <a:schemeClr val="accent1">
+              <a:shade val="50000"/>
+            </a:schemeClr>
+          </a:lnRef>
+          <a:fillRef idx="1">
+            <a:schemeClr val="accent1"/>
+          </a:fillRef>
+          <a:effectRef idx="0">
+            <a:schemeClr val="accent1"/>
+          </a:effectRef>
+          <a:fontRef idx="minor">
+            <a:schemeClr val="lt1"/>
+          </a:fontRef>
+        </p:style>
+        <p:txBody>
+          <a:bodyPr rtlCol="0" anchor="ctr"/>
+          <a:lstStyle/>
+          <a:p>
+            <a:pPr algn="ctr"/>
+            <a:endParaRPr kumimoji="1" lang="ja-JP" altLang="en-US"/>
+          </a:p>
+        </p:txBody>
+      </p:sp>
+      <p:sp>
+        <p:nvSpPr>
+          <p:cNvPr id="10" name="正方形/長方形 9">
+            <a:extLst>
+              <a:ext uri="{FF2B5EF4-FFF2-40B4-BE49-F238E27FC236}">
+                <a16:creationId xmlns:a16="http://schemas.microsoft.com/office/drawing/2014/main" id="{9CE88D22-56D1-35D7-7D06-26C6228D0074}"/>
+              </a:ext>
+            </a:extLst>
+          </p:cNvPr>
+          <p:cNvSpPr/>
+          <p:nvPr/>
+        </p:nvSpPr>
+        <p:spPr>
+          <a:xfrm>
+            <a:off x="8624258" y="330661"/>
+            <a:ext cx="1846053" cy="6196678"/>
+          </a:xfrm>
+          <a:prstGeom prst="rect">
+            <a:avLst/>
+          </a:prstGeom>
+          <a:noFill/>
+          <a:ln w="28575">
+            <a:solidFill>
+              <a:srgbClr val="FF0000"/>
+            </a:solidFill>
+            <a:prstDash val="sysDash"/>
+          </a:ln>
+        </p:spPr>
+        <p:style>
+          <a:lnRef idx="2">
+            <a:schemeClr val="accent1">
+              <a:shade val="50000"/>
+            </a:schemeClr>
+          </a:lnRef>
+          <a:fillRef idx="1">
+            <a:schemeClr val="accent1"/>
+          </a:fillRef>
+          <a:effectRef idx="0">
+            <a:schemeClr val="accent1"/>
+          </a:effectRef>
+          <a:fontRef idx="minor">
+            <a:schemeClr val="lt1"/>
+          </a:fontRef>
+        </p:style>
+        <p:txBody>
+          <a:bodyPr rtlCol="0" anchor="ctr"/>
+          <a:lstStyle/>
+          <a:p>
+            <a:pPr algn="ctr"/>
+            <a:endParaRPr kumimoji="1" lang="ja-JP" altLang="en-US"/>
+          </a:p>
+        </p:txBody>
+      </p:sp>
+      <p:sp>
+        <p:nvSpPr>
+          <p:cNvPr id="12" name="テキスト ボックス 11">
+            <a:extLst>
+              <a:ext uri="{FF2B5EF4-FFF2-40B4-BE49-F238E27FC236}">
+                <a16:creationId xmlns:a16="http://schemas.microsoft.com/office/drawing/2014/main" id="{891FCF25-E63E-ADC0-3DF3-831F7ACB1FBB}"/>
+              </a:ext>
+            </a:extLst>
+          </p:cNvPr>
+          <p:cNvSpPr txBox="1"/>
+          <p:nvPr/>
+        </p:nvSpPr>
+        <p:spPr>
+          <a:xfrm>
+            <a:off x="3940799" y="469871"/>
+            <a:ext cx="800219" cy="461665"/>
+          </a:xfrm>
+          <a:prstGeom prst="rect">
+            <a:avLst/>
+          </a:prstGeom>
+          <a:noFill/>
+        </p:spPr>
+        <p:txBody>
+          <a:bodyPr wrap="none" rtlCol="0">
+            <a:spAutoFit/>
+          </a:bodyPr>
+          <a:lstStyle/>
+          <a:p>
+            <a:r>
+              <a:rPr kumimoji="1" lang="ja-JP" altLang="en-US" sz="2400">
+                <a:solidFill>
+                  <a:srgbClr val="00B050"/>
+                </a:solidFill>
+              </a:rPr>
+              <a:t>作成</a:t>
+            </a:r>
+          </a:p>
+        </p:txBody>
+      </p:sp>
+      <p:sp>
+        <p:nvSpPr>
+          <p:cNvPr id="20" name="テキスト ボックス 19">
+            <a:extLst>
+              <a:ext uri="{FF2B5EF4-FFF2-40B4-BE49-F238E27FC236}">
+                <a16:creationId xmlns:a16="http://schemas.microsoft.com/office/drawing/2014/main" id="{E5A7F474-9C6A-8327-BE7E-F3062B34618F}"/>
+              </a:ext>
+            </a:extLst>
+          </p:cNvPr>
+          <p:cNvSpPr txBox="1"/>
+          <p:nvPr/>
+        </p:nvSpPr>
+        <p:spPr>
+          <a:xfrm>
+            <a:off x="6546935" y="469870"/>
+            <a:ext cx="800219" cy="461665"/>
+          </a:xfrm>
+          <a:prstGeom prst="rect">
+            <a:avLst/>
+          </a:prstGeom>
+          <a:noFill/>
+        </p:spPr>
+        <p:txBody>
+          <a:bodyPr wrap="none" rtlCol="0">
+            <a:spAutoFit/>
+          </a:bodyPr>
+          <a:lstStyle/>
+          <a:p>
+            <a:r>
+              <a:rPr kumimoji="1" lang="ja-JP" altLang="en-US" sz="2400">
+                <a:solidFill>
+                  <a:schemeClr val="accent2"/>
+                </a:solidFill>
+              </a:rPr>
+              <a:t>更新</a:t>
+            </a:r>
+          </a:p>
+        </p:txBody>
+      </p:sp>
+      <p:sp>
+        <p:nvSpPr>
+          <p:cNvPr id="21" name="テキスト ボックス 20">
+            <a:extLst>
+              <a:ext uri="{FF2B5EF4-FFF2-40B4-BE49-F238E27FC236}">
+                <a16:creationId xmlns:a16="http://schemas.microsoft.com/office/drawing/2014/main" id="{A44C247B-A40D-86EB-2412-478329FE62E8}"/>
+              </a:ext>
+            </a:extLst>
+          </p:cNvPr>
+          <p:cNvSpPr txBox="1"/>
+          <p:nvPr/>
+        </p:nvSpPr>
+        <p:spPr>
+          <a:xfrm>
+            <a:off x="9174492" y="469869"/>
+            <a:ext cx="800219" cy="461665"/>
+          </a:xfrm>
+          <a:prstGeom prst="rect">
+            <a:avLst/>
+          </a:prstGeom>
+          <a:noFill/>
+        </p:spPr>
+        <p:txBody>
+          <a:bodyPr wrap="none" rtlCol="0">
+            <a:spAutoFit/>
+          </a:bodyPr>
+          <a:lstStyle/>
+          <a:p>
+            <a:r>
+              <a:rPr kumimoji="1" lang="ja-JP" altLang="en-US" sz="2400">
+                <a:solidFill>
+                  <a:srgbClr val="FF0000"/>
+                </a:solidFill>
+              </a:rPr>
+              <a:t>削除</a:t>
+            </a:r>
+          </a:p>
+        </p:txBody>
+      </p:sp>
+      <p:sp>
+        <p:nvSpPr>
+          <p:cNvPr id="11" name="角丸四角形 10">
+            <a:extLst>
+              <a:ext uri="{FF2B5EF4-FFF2-40B4-BE49-F238E27FC236}">
+                <a16:creationId xmlns:a16="http://schemas.microsoft.com/office/drawing/2014/main" id="{D4E6B377-912B-F8F1-5DBE-771EA58CA819}"/>
+              </a:ext>
+            </a:extLst>
+          </p:cNvPr>
+          <p:cNvSpPr/>
+          <p:nvPr/>
+        </p:nvSpPr>
+        <p:spPr>
+          <a:xfrm>
+            <a:off x="8824821" y="5260072"/>
+            <a:ext cx="1499559" cy="1061049"/>
+          </a:xfrm>
+          <a:prstGeom prst="roundRect">
+            <a:avLst/>
+          </a:prstGeom>
+        </p:spPr>
+        <p:style>
+          <a:lnRef idx="2">
+            <a:schemeClr val="accent1">
+              <a:shade val="50000"/>
+            </a:schemeClr>
+          </a:lnRef>
+          <a:fillRef idx="1">
+            <a:schemeClr val="accent1"/>
+          </a:fillRef>
+          <a:effectRef idx="0">
+            <a:schemeClr val="accent1"/>
+          </a:effectRef>
+          <a:fontRef idx="minor">
+            <a:schemeClr val="lt1"/>
+          </a:fontRef>
+        </p:style>
+        <p:txBody>
+          <a:bodyPr rtlCol="0" anchor="ctr"/>
+          <a:lstStyle/>
+          <a:p>
+            <a:pPr algn="ctr"/>
+            <a:r>
+              <a:rPr lang="ja-JP" altLang="en-US"/>
+              <a:t>リソース</a:t>
+            </a:r>
+            <a:r>
+              <a:rPr lang="en-US" altLang="ja-JP" dirty="0"/>
+              <a:t>C</a:t>
+            </a:r>
+            <a:endParaRPr kumimoji="1" lang="ja-JP" altLang="en-US"/>
+          </a:p>
+        </p:txBody>
+      </p:sp>
+      <p:sp>
+        <p:nvSpPr>
+          <p:cNvPr id="23" name="テキスト ボックス 22">
+            <a:extLst>
+              <a:ext uri="{FF2B5EF4-FFF2-40B4-BE49-F238E27FC236}">
+                <a16:creationId xmlns:a16="http://schemas.microsoft.com/office/drawing/2014/main" id="{5234BF65-4010-09D9-FD17-A80EFFF20C81}"/>
+              </a:ext>
+            </a:extLst>
+          </p:cNvPr>
+          <p:cNvSpPr txBox="1"/>
+          <p:nvPr/>
+        </p:nvSpPr>
+        <p:spPr>
+          <a:xfrm>
+            <a:off x="851973" y="1439079"/>
+            <a:ext cx="2262158" cy="646331"/>
+          </a:xfrm>
+          <a:prstGeom prst="rect">
+            <a:avLst/>
+          </a:prstGeom>
+          <a:noFill/>
+        </p:spPr>
+        <p:txBody>
+          <a:bodyPr wrap="none" rtlCol="0">
+            <a:spAutoFit/>
+          </a:bodyPr>
+          <a:lstStyle/>
+          <a:p>
+            <a:r>
+              <a:rPr kumimoji="1" lang="ja-JP" altLang="en-US"/>
+              <a:t>テンプレートに</a:t>
+            </a:r>
+            <a:endParaRPr kumimoji="1" lang="en-US" altLang="ja-JP" dirty="0"/>
+          </a:p>
+          <a:p>
+            <a:r>
+              <a:rPr kumimoji="1" lang="ja-JP" altLang="en-US"/>
+              <a:t>定義されたリソース</a:t>
+            </a:r>
+          </a:p>
+        </p:txBody>
+      </p:sp>
+      <p:sp>
+        <p:nvSpPr>
+          <p:cNvPr id="24" name="テキスト ボックス 23">
+            <a:extLst>
+              <a:ext uri="{FF2B5EF4-FFF2-40B4-BE49-F238E27FC236}">
+                <a16:creationId xmlns:a16="http://schemas.microsoft.com/office/drawing/2014/main" id="{1EB367A3-8340-8608-AB54-003B10761E13}"/>
+              </a:ext>
+            </a:extLst>
+          </p:cNvPr>
+          <p:cNvSpPr txBox="1"/>
+          <p:nvPr/>
+        </p:nvSpPr>
+        <p:spPr>
+          <a:xfrm>
+            <a:off x="399268" y="5522641"/>
+            <a:ext cx="2723823" cy="646331"/>
+          </a:xfrm>
+          <a:prstGeom prst="rect">
+            <a:avLst/>
+          </a:prstGeom>
+          <a:noFill/>
+        </p:spPr>
+        <p:txBody>
+          <a:bodyPr wrap="none" rtlCol="0">
+            <a:spAutoFit/>
+          </a:bodyPr>
+          <a:lstStyle/>
+          <a:p>
+            <a:r>
+              <a:rPr lang="ja-JP" altLang="en-US"/>
+              <a:t>テンプレート</a:t>
+            </a:r>
+            <a:r>
+              <a:rPr kumimoji="1" lang="ja-JP" altLang="en-US"/>
+              <a:t>デプロイ</a:t>
+            </a:r>
+            <a:r>
+              <a:rPr lang="ja-JP" altLang="en-US">
+                <a:solidFill>
+                  <a:srgbClr val="FF0000"/>
+                </a:solidFill>
+              </a:rPr>
+              <a:t>後</a:t>
+            </a:r>
+            <a:endParaRPr lang="en-US" altLang="ja-JP" dirty="0">
+              <a:solidFill>
+                <a:srgbClr val="FF0000"/>
+              </a:solidFill>
+            </a:endParaRPr>
+          </a:p>
+          <a:p>
+            <a:r>
+              <a:rPr kumimoji="1" lang="ja-JP" altLang="en-US"/>
+              <a:t>のリソースグループ</a:t>
+            </a:r>
+          </a:p>
+        </p:txBody>
+      </p:sp>
+      <p:sp>
+        <p:nvSpPr>
+          <p:cNvPr id="25" name="テキスト ボックス 24">
+            <a:extLst>
+              <a:ext uri="{FF2B5EF4-FFF2-40B4-BE49-F238E27FC236}">
+                <a16:creationId xmlns:a16="http://schemas.microsoft.com/office/drawing/2014/main" id="{F96F0F08-CEF4-8A7A-990D-B117BCC18B1A}"/>
+              </a:ext>
+            </a:extLst>
+          </p:cNvPr>
+          <p:cNvSpPr txBox="1"/>
+          <p:nvPr/>
+        </p:nvSpPr>
+        <p:spPr>
+          <a:xfrm>
+            <a:off x="399268" y="3441568"/>
+            <a:ext cx="2723823" cy="646331"/>
+          </a:xfrm>
+          <a:prstGeom prst="rect">
+            <a:avLst/>
+          </a:prstGeom>
+          <a:noFill/>
+        </p:spPr>
+        <p:txBody>
+          <a:bodyPr wrap="none" rtlCol="0">
+            <a:spAutoFit/>
+          </a:bodyPr>
+          <a:lstStyle/>
+          <a:p>
+            <a:r>
+              <a:rPr lang="ja-JP" altLang="en-US"/>
+              <a:t>テンプレート</a:t>
+            </a:r>
+            <a:r>
+              <a:rPr kumimoji="1" lang="ja-JP" altLang="en-US"/>
+              <a:t>デプロイ</a:t>
+            </a:r>
+            <a:r>
+              <a:rPr kumimoji="1" lang="ja-JP" altLang="en-US">
+                <a:solidFill>
+                  <a:srgbClr val="002060"/>
+                </a:solidFill>
+              </a:rPr>
+              <a:t>前</a:t>
+            </a:r>
+            <a:endParaRPr kumimoji="1" lang="en-US" altLang="ja-JP" dirty="0">
+              <a:solidFill>
+                <a:srgbClr val="002060"/>
+              </a:solidFill>
+            </a:endParaRPr>
+          </a:p>
+          <a:p>
+            <a:r>
+              <a:rPr kumimoji="1" lang="ja-JP" altLang="en-US"/>
+              <a:t>のリソースグループ</a:t>
+            </a:r>
+          </a:p>
+        </p:txBody>
+      </p:sp>
+    </p:spTree>
+    <p:extLst>
+      <p:ext uri="{BB962C8B-B14F-4D97-AF65-F5344CB8AC3E}">
+        <p14:creationId xmlns:p14="http://schemas.microsoft.com/office/powerpoint/2010/main" val="2340323880"/>
+      </p:ext>
+    </p:extLst>
+  </p:cSld>
+  <p:clrMapOvr>
+    <a:masterClrMapping/>
+  </p:clrMapOvr>
+</p:sld>
+</file>
+
+<file path=ppt/slides/slide2.xml><?xml version="1.0" encoding="utf-8"?>
+<p:sld xmlns:a="http://schemas.openxmlformats.org/drawingml/2006/main" xmlns:r="http://schemas.openxmlformats.org/officeDocument/2006/relationships" xmlns:p="http://schemas.openxmlformats.org/presentationml/2006/main">
+  <p:cSld>
+    <p:spTree>
+      <p:nvGrpSpPr>
+        <p:cNvPr id="1" name=""/>
+        <p:cNvGrpSpPr/>
+        <p:nvPr/>
+      </p:nvGrpSpPr>
+      <p:grpSpPr>
+        <a:xfrm>
+          <a:off x="0" y="0"/>
+          <a:ext cx="0" cy="0"/>
+          <a:chOff x="0" y="0"/>
+          <a:chExt cx="0" cy="0"/>
+        </a:xfrm>
+      </p:grpSpPr>
+      <p:sp>
+        <p:nvSpPr>
+          <p:cNvPr id="4" name="テキスト ボックス 3">
+            <a:extLst>
+              <a:ext uri="{FF2B5EF4-FFF2-40B4-BE49-F238E27FC236}">
+                <a16:creationId xmlns:a16="http://schemas.microsoft.com/office/drawing/2014/main" id="{C8EF9DF9-8EFA-9CD4-1B98-0F57667B74A2}"/>
+              </a:ext>
+            </a:extLst>
+          </p:cNvPr>
+          <p:cNvSpPr txBox="1"/>
+          <p:nvPr/>
+        </p:nvSpPr>
+        <p:spPr>
+          <a:xfrm>
+            <a:off x="851973" y="1439079"/>
+            <a:ext cx="2262158" cy="646331"/>
+          </a:xfrm>
+          <a:prstGeom prst="rect">
+            <a:avLst/>
+          </a:prstGeom>
+          <a:noFill/>
+        </p:spPr>
+        <p:txBody>
+          <a:bodyPr wrap="none" rtlCol="0">
+            <a:spAutoFit/>
+          </a:bodyPr>
+          <a:lstStyle/>
+          <a:p>
+            <a:r>
+              <a:rPr kumimoji="1" lang="ja-JP" altLang="en-US"/>
+              <a:t>テンプレートに</a:t>
+            </a:r>
+            <a:endParaRPr kumimoji="1" lang="en-US" altLang="ja-JP" dirty="0"/>
+          </a:p>
+          <a:p>
+            <a:r>
+              <a:rPr kumimoji="1" lang="ja-JP" altLang="en-US"/>
+              <a:t>定義されたリソース</a:t>
+            </a:r>
+          </a:p>
+        </p:txBody>
+      </p:sp>
+      <p:sp>
+        <p:nvSpPr>
+          <p:cNvPr id="6" name="正方形/長方形 5">
+            <a:extLst>
+              <a:ext uri="{FF2B5EF4-FFF2-40B4-BE49-F238E27FC236}">
+                <a16:creationId xmlns:a16="http://schemas.microsoft.com/office/drawing/2014/main" id="{553836BA-5CA1-FA95-E93C-57103F4FE671}"/>
+              </a:ext>
+            </a:extLst>
+          </p:cNvPr>
+          <p:cNvSpPr/>
+          <p:nvPr/>
+        </p:nvSpPr>
+        <p:spPr>
+          <a:xfrm>
+            <a:off x="3114131" y="1072533"/>
+            <a:ext cx="7962181" cy="1379425"/>
+          </a:xfrm>
+          <a:prstGeom prst="rect">
+            <a:avLst/>
+          </a:prstGeom>
+          <a:solidFill>
+            <a:schemeClr val="accent1">
+              <a:lumMod val="20000"/>
+              <a:lumOff val="80000"/>
+            </a:schemeClr>
+          </a:solidFill>
+          <a:ln>
+            <a:noFill/>
+          </a:ln>
+        </p:spPr>
+        <p:style>
+          <a:lnRef idx="2">
+            <a:schemeClr val="accent1">
+              <a:shade val="50000"/>
+            </a:schemeClr>
+          </a:lnRef>
+          <a:fillRef idx="1">
+            <a:schemeClr val="accent1"/>
+          </a:fillRef>
+          <a:effectRef idx="0">
+            <a:schemeClr val="accent1"/>
+          </a:effectRef>
+          <a:fontRef idx="minor">
+            <a:schemeClr val="lt1"/>
+          </a:fontRef>
+        </p:style>
+        <p:txBody>
+          <a:bodyPr rtlCol="0" anchor="ctr"/>
+          <a:lstStyle/>
+          <a:p>
+            <a:pPr algn="ctr"/>
+            <a:endParaRPr kumimoji="1" lang="ja-JP" altLang="en-US"/>
+          </a:p>
+        </p:txBody>
+      </p:sp>
+      <p:sp>
+        <p:nvSpPr>
+          <p:cNvPr id="7" name="正方形/長方形 6">
+            <a:extLst>
+              <a:ext uri="{FF2B5EF4-FFF2-40B4-BE49-F238E27FC236}">
+                <a16:creationId xmlns:a16="http://schemas.microsoft.com/office/drawing/2014/main" id="{58B8FE4F-7721-1826-BB6B-3EBAB806E876}"/>
+              </a:ext>
+            </a:extLst>
+          </p:cNvPr>
+          <p:cNvSpPr/>
+          <p:nvPr/>
+        </p:nvSpPr>
+        <p:spPr>
+          <a:xfrm>
+            <a:off x="3114131" y="3075022"/>
+            <a:ext cx="7962181" cy="1379425"/>
+          </a:xfrm>
+          <a:prstGeom prst="rect">
+            <a:avLst/>
+          </a:prstGeom>
+          <a:solidFill>
+            <a:schemeClr val="accent1">
+              <a:lumMod val="20000"/>
+              <a:lumOff val="80000"/>
+            </a:schemeClr>
+          </a:solidFill>
+          <a:ln>
+            <a:noFill/>
+          </a:ln>
+        </p:spPr>
+        <p:style>
+          <a:lnRef idx="2">
+            <a:schemeClr val="accent1">
+              <a:shade val="50000"/>
+            </a:schemeClr>
+          </a:lnRef>
+          <a:fillRef idx="1">
+            <a:schemeClr val="accent1"/>
+          </a:fillRef>
+          <a:effectRef idx="0">
+            <a:schemeClr val="accent1"/>
+          </a:effectRef>
+          <a:fontRef idx="minor">
+            <a:schemeClr val="lt1"/>
+          </a:fontRef>
+        </p:style>
+        <p:txBody>
+          <a:bodyPr rtlCol="0" anchor="ctr"/>
+          <a:lstStyle/>
+          <a:p>
+            <a:pPr algn="ctr"/>
+            <a:endParaRPr kumimoji="1" lang="ja-JP" altLang="en-US"/>
+          </a:p>
+        </p:txBody>
+      </p:sp>
+      <p:sp>
+        <p:nvSpPr>
+          <p:cNvPr id="8" name="正方形/長方形 7">
+            <a:extLst>
+              <a:ext uri="{FF2B5EF4-FFF2-40B4-BE49-F238E27FC236}">
+                <a16:creationId xmlns:a16="http://schemas.microsoft.com/office/drawing/2014/main" id="{34219F5C-FEC4-0337-980C-F2BF77C9AF35}"/>
+              </a:ext>
+            </a:extLst>
+          </p:cNvPr>
+          <p:cNvSpPr/>
+          <p:nvPr/>
+        </p:nvSpPr>
+        <p:spPr>
+          <a:xfrm>
+            <a:off x="3114131" y="5077511"/>
+            <a:ext cx="7962181" cy="1379425"/>
+          </a:xfrm>
+          <a:prstGeom prst="rect">
+            <a:avLst/>
+          </a:prstGeom>
+          <a:solidFill>
+            <a:schemeClr val="accent1">
+              <a:lumMod val="20000"/>
+              <a:lumOff val="80000"/>
+            </a:schemeClr>
+          </a:solidFill>
+          <a:ln>
+            <a:noFill/>
+          </a:ln>
+        </p:spPr>
+        <p:style>
+          <a:lnRef idx="2">
+            <a:schemeClr val="accent1">
+              <a:shade val="50000"/>
+            </a:schemeClr>
+          </a:lnRef>
+          <a:fillRef idx="1">
+            <a:schemeClr val="accent1"/>
+          </a:fillRef>
+          <a:effectRef idx="0">
+            <a:schemeClr val="accent1"/>
+          </a:effectRef>
+          <a:fontRef idx="minor">
+            <a:schemeClr val="lt1"/>
+          </a:fontRef>
+        </p:style>
+        <p:txBody>
+          <a:bodyPr rtlCol="0" anchor="ctr"/>
+          <a:lstStyle/>
+          <a:p>
+            <a:pPr algn="ctr"/>
+            <a:endParaRPr kumimoji="1" lang="ja-JP" altLang="en-US"/>
+          </a:p>
+        </p:txBody>
+      </p:sp>
+      <p:sp>
+        <p:nvSpPr>
+          <p:cNvPr id="13" name="角丸四角形 12">
+            <a:extLst>
+              <a:ext uri="{FF2B5EF4-FFF2-40B4-BE49-F238E27FC236}">
+                <a16:creationId xmlns:a16="http://schemas.microsoft.com/office/drawing/2014/main" id="{6BF9DD0E-CAA8-E5DB-EC38-9B9CAE53400A}"/>
+              </a:ext>
+            </a:extLst>
+          </p:cNvPr>
+          <p:cNvSpPr/>
+          <p:nvPr/>
+        </p:nvSpPr>
+        <p:spPr>
+          <a:xfrm>
+            <a:off x="6197260" y="1171917"/>
+            <a:ext cx="1499559" cy="1061049"/>
+          </a:xfrm>
+          <a:prstGeom prst="roundRect">
+            <a:avLst/>
+          </a:prstGeom>
+        </p:spPr>
+        <p:style>
+          <a:lnRef idx="2">
+            <a:schemeClr val="accent1">
+              <a:shade val="50000"/>
+            </a:schemeClr>
+          </a:lnRef>
+          <a:fillRef idx="1">
+            <a:schemeClr val="accent1"/>
+          </a:fillRef>
+          <a:effectRef idx="0">
+            <a:schemeClr val="accent1"/>
+          </a:effectRef>
+          <a:fontRef idx="minor">
+            <a:schemeClr val="lt1"/>
+          </a:fontRef>
+        </p:style>
+        <p:txBody>
+          <a:bodyPr rtlCol="0" anchor="ctr"/>
+          <a:lstStyle/>
+          <a:p>
+            <a:pPr algn="ctr"/>
+            <a:r>
+              <a:rPr lang="ja-JP" altLang="en-US"/>
+              <a:t>リソース</a:t>
+            </a:r>
+            <a:r>
+              <a:rPr lang="en-US" altLang="ja-JP" dirty="0"/>
+              <a:t>B</a:t>
+            </a:r>
+          </a:p>
+          <a:p>
+            <a:pPr algn="ctr"/>
+            <a:r>
+              <a:rPr kumimoji="1" lang="en-US" altLang="ja-JP" sz="1200" dirty="0"/>
+              <a:t>SKU : Standard</a:t>
+            </a:r>
+            <a:endParaRPr kumimoji="1" lang="ja-JP" altLang="en-US" sz="1200"/>
+          </a:p>
+        </p:txBody>
+      </p:sp>
+      <p:sp>
+        <p:nvSpPr>
+          <p:cNvPr id="14" name="角丸四角形 13">
+            <a:extLst>
+              <a:ext uri="{FF2B5EF4-FFF2-40B4-BE49-F238E27FC236}">
+                <a16:creationId xmlns:a16="http://schemas.microsoft.com/office/drawing/2014/main" id="{6C40A756-C5A0-EDF6-9379-94729DFE91FB}"/>
+              </a:ext>
+            </a:extLst>
+          </p:cNvPr>
+          <p:cNvSpPr/>
+          <p:nvPr/>
+        </p:nvSpPr>
+        <p:spPr>
+          <a:xfrm>
+            <a:off x="3591124" y="1171917"/>
+            <a:ext cx="1499559" cy="1061049"/>
+          </a:xfrm>
+          <a:prstGeom prst="roundRect">
+            <a:avLst/>
+          </a:prstGeom>
+        </p:spPr>
+        <p:style>
+          <a:lnRef idx="2">
+            <a:schemeClr val="accent1">
+              <a:shade val="50000"/>
+            </a:schemeClr>
+          </a:lnRef>
+          <a:fillRef idx="1">
+            <a:schemeClr val="accent1"/>
+          </a:fillRef>
+          <a:effectRef idx="0">
+            <a:schemeClr val="accent1"/>
+          </a:effectRef>
+          <a:fontRef idx="minor">
+            <a:schemeClr val="lt1"/>
+          </a:fontRef>
+        </p:style>
+        <p:txBody>
+          <a:bodyPr rtlCol="0" anchor="ctr"/>
+          <a:lstStyle/>
+          <a:p>
+            <a:pPr algn="ctr"/>
+            <a:r>
+              <a:rPr lang="ja-JP" altLang="en-US"/>
+              <a:t>リソース</a:t>
+            </a:r>
+            <a:r>
+              <a:rPr lang="en-US" altLang="ja-JP" dirty="0"/>
+              <a:t>A</a:t>
+            </a:r>
+            <a:endParaRPr kumimoji="1" lang="ja-JP" altLang="en-US"/>
+          </a:p>
+        </p:txBody>
+      </p:sp>
+      <p:sp>
+        <p:nvSpPr>
+          <p:cNvPr id="15" name="角丸四角形 14">
+            <a:extLst>
+              <a:ext uri="{FF2B5EF4-FFF2-40B4-BE49-F238E27FC236}">
+                <a16:creationId xmlns:a16="http://schemas.microsoft.com/office/drawing/2014/main" id="{D3F84367-09B7-A15D-2282-636A8DE7E21C}"/>
+              </a:ext>
+            </a:extLst>
+          </p:cNvPr>
+          <p:cNvSpPr/>
+          <p:nvPr/>
+        </p:nvSpPr>
+        <p:spPr>
+          <a:xfrm>
+            <a:off x="8824817" y="3235463"/>
+            <a:ext cx="1499559" cy="1061049"/>
+          </a:xfrm>
+          <a:prstGeom prst="roundRect">
+            <a:avLst/>
+          </a:prstGeom>
+        </p:spPr>
+        <p:style>
+          <a:lnRef idx="2">
+            <a:schemeClr val="accent1">
+              <a:shade val="50000"/>
+            </a:schemeClr>
+          </a:lnRef>
+          <a:fillRef idx="1">
+            <a:schemeClr val="accent1"/>
+          </a:fillRef>
+          <a:effectRef idx="0">
+            <a:schemeClr val="accent1"/>
+          </a:effectRef>
+          <a:fontRef idx="minor">
+            <a:schemeClr val="lt1"/>
+          </a:fontRef>
+        </p:style>
+        <p:txBody>
+          <a:bodyPr rtlCol="0" anchor="ctr"/>
+          <a:lstStyle/>
+          <a:p>
+            <a:pPr algn="ctr"/>
+            <a:r>
+              <a:rPr lang="ja-JP" altLang="en-US"/>
+              <a:t>リソース</a:t>
+            </a:r>
+            <a:r>
+              <a:rPr lang="en-US" altLang="ja-JP" dirty="0"/>
+              <a:t>C</a:t>
+            </a:r>
+            <a:endParaRPr kumimoji="1" lang="ja-JP" altLang="en-US"/>
+          </a:p>
+        </p:txBody>
+      </p:sp>
+      <p:sp>
+        <p:nvSpPr>
+          <p:cNvPr id="16" name="角丸四角形 15">
+            <a:extLst>
+              <a:ext uri="{FF2B5EF4-FFF2-40B4-BE49-F238E27FC236}">
+                <a16:creationId xmlns:a16="http://schemas.microsoft.com/office/drawing/2014/main" id="{9371F83C-FA46-DE54-A8EC-7D5077A22E67}"/>
+              </a:ext>
+            </a:extLst>
+          </p:cNvPr>
+          <p:cNvSpPr/>
+          <p:nvPr/>
+        </p:nvSpPr>
+        <p:spPr>
+          <a:xfrm>
+            <a:off x="6197260" y="3235462"/>
+            <a:ext cx="1499559" cy="1061049"/>
+          </a:xfrm>
+          <a:prstGeom prst="roundRect">
+            <a:avLst/>
+          </a:prstGeom>
+        </p:spPr>
+        <p:style>
+          <a:lnRef idx="2">
+            <a:schemeClr val="accent1">
+              <a:shade val="50000"/>
+            </a:schemeClr>
+          </a:lnRef>
+          <a:fillRef idx="1">
+            <a:schemeClr val="accent1"/>
+          </a:fillRef>
+          <a:effectRef idx="0">
+            <a:schemeClr val="accent1"/>
+          </a:effectRef>
+          <a:fontRef idx="minor">
+            <a:schemeClr val="lt1"/>
+          </a:fontRef>
+        </p:style>
+        <p:txBody>
+          <a:bodyPr rtlCol="0" anchor="ctr"/>
+          <a:lstStyle/>
+          <a:p>
+            <a:pPr algn="ctr"/>
+            <a:r>
+              <a:rPr lang="ja-JP" altLang="en-US"/>
+              <a:t>リソース</a:t>
+            </a:r>
+            <a:r>
+              <a:rPr lang="en-US" altLang="ja-JP" dirty="0"/>
+              <a:t>B</a:t>
+            </a:r>
+          </a:p>
+          <a:p>
+            <a:pPr marL="0" marR="0" lvl="0" indent="0" algn="ctr" defTabSz="914400" rtl="0" eaLnBrk="1" fontAlgn="auto" latinLnBrk="0" hangingPunct="1">
+              <a:lnSpc>
+                <a:spcPct val="100000"/>
+              </a:lnSpc>
+              <a:spcBef>
+                <a:spcPts val="0"/>
+              </a:spcBef>
+              <a:spcAft>
+                <a:spcPts val="0"/>
+              </a:spcAft>
+              <a:buClrTx/>
+              <a:buSzTx/>
+              <a:buFontTx/>
+              <a:buNone/>
+              <a:tabLst/>
+              <a:defRPr/>
+            </a:pPr>
+            <a:r>
+              <a:rPr kumimoji="1" lang="en-US" altLang="ja-JP" sz="1200" b="0" i="0" u="none" strike="noStrike" kern="1200" cap="none" spc="0" normalizeH="0" baseline="0" noProof="0" dirty="0">
+                <a:ln>
+                  <a:noFill/>
+                </a:ln>
+                <a:solidFill>
+                  <a:prstClr val="white"/>
+                </a:solidFill>
+                <a:effectLst/>
+                <a:uLnTx/>
+                <a:uFillTx/>
+                <a:latin typeface="游ゴシック" panose="020F0502020204030204"/>
+                <a:ea typeface="游ゴシック" panose="020B0400000000000000" pitchFamily="34" charset="-128"/>
+                <a:cs typeface="+mn-cs"/>
+              </a:rPr>
+              <a:t>SKU : </a:t>
+            </a:r>
+            <a:r>
+              <a:rPr lang="en-US" altLang="ja-JP" sz="1200" dirty="0">
+                <a:solidFill>
+                  <a:prstClr val="white"/>
+                </a:solidFill>
+                <a:latin typeface="游ゴシック" panose="020F0502020204030204"/>
+                <a:ea typeface="游ゴシック" panose="020B0400000000000000" pitchFamily="34" charset="-128"/>
+              </a:rPr>
+              <a:t>Free</a:t>
+            </a:r>
+            <a:endParaRPr kumimoji="1" lang="ja-JP" altLang="en-US" sz="1200" b="0" i="0" u="none" strike="noStrike" kern="1200" cap="none" spc="0" normalizeH="0" baseline="0" noProof="0">
+              <a:ln>
+                <a:noFill/>
+              </a:ln>
+              <a:solidFill>
+                <a:prstClr val="white"/>
+              </a:solidFill>
+              <a:effectLst/>
+              <a:uLnTx/>
+              <a:uFillTx/>
+              <a:latin typeface="游ゴシック" panose="020F0502020204030204"/>
+              <a:ea typeface="游ゴシック" panose="020B0400000000000000" pitchFamily="34" charset="-128"/>
+              <a:cs typeface="+mn-cs"/>
+            </a:endParaRPr>
+          </a:p>
+        </p:txBody>
+      </p:sp>
+      <p:sp>
+        <p:nvSpPr>
+          <p:cNvPr id="17" name="角丸四角形 16">
+            <a:extLst>
+              <a:ext uri="{FF2B5EF4-FFF2-40B4-BE49-F238E27FC236}">
+                <a16:creationId xmlns:a16="http://schemas.microsoft.com/office/drawing/2014/main" id="{20550739-5451-0901-3BD6-52C5E991E227}"/>
+              </a:ext>
+            </a:extLst>
+          </p:cNvPr>
+          <p:cNvSpPr/>
+          <p:nvPr/>
+        </p:nvSpPr>
+        <p:spPr>
+          <a:xfrm>
+            <a:off x="6197260" y="5259312"/>
+            <a:ext cx="1499559" cy="1061049"/>
+          </a:xfrm>
+          <a:prstGeom prst="roundRect">
+            <a:avLst/>
+          </a:prstGeom>
+        </p:spPr>
+        <p:style>
+          <a:lnRef idx="2">
+            <a:schemeClr val="accent1">
+              <a:shade val="50000"/>
+            </a:schemeClr>
+          </a:lnRef>
+          <a:fillRef idx="1">
+            <a:schemeClr val="accent1"/>
+          </a:fillRef>
+          <a:effectRef idx="0">
+            <a:schemeClr val="accent1"/>
+          </a:effectRef>
+          <a:fontRef idx="minor">
+            <a:schemeClr val="lt1"/>
+          </a:fontRef>
+        </p:style>
+        <p:txBody>
+          <a:bodyPr rtlCol="0" anchor="ctr"/>
+          <a:lstStyle/>
+          <a:p>
+            <a:pPr algn="ctr"/>
+            <a:r>
+              <a:rPr lang="ja-JP" altLang="en-US"/>
+              <a:t>リソース</a:t>
+            </a:r>
+            <a:r>
+              <a:rPr lang="en-US" altLang="ja-JP" dirty="0"/>
+              <a:t>B</a:t>
+            </a:r>
+          </a:p>
+          <a:p>
+            <a:pPr algn="ctr"/>
+            <a:r>
+              <a:rPr kumimoji="1" lang="en-US" altLang="ja-JP" sz="1200" dirty="0"/>
+              <a:t>SKU : Standard</a:t>
+            </a:r>
+            <a:endParaRPr kumimoji="1" lang="ja-JP" altLang="en-US" sz="1200"/>
+          </a:p>
+        </p:txBody>
+      </p:sp>
+      <p:sp>
+        <p:nvSpPr>
+          <p:cNvPr id="18" name="角丸四角形 17">
+            <a:extLst>
+              <a:ext uri="{FF2B5EF4-FFF2-40B4-BE49-F238E27FC236}">
+                <a16:creationId xmlns:a16="http://schemas.microsoft.com/office/drawing/2014/main" id="{4D83979B-2BD8-0090-5B3F-458A17FD6232}"/>
+              </a:ext>
+            </a:extLst>
+          </p:cNvPr>
+          <p:cNvSpPr/>
+          <p:nvPr/>
+        </p:nvSpPr>
+        <p:spPr>
+          <a:xfrm>
+            <a:off x="3591124" y="5259312"/>
+            <a:ext cx="1499559" cy="1061049"/>
+          </a:xfrm>
+          <a:prstGeom prst="roundRect">
+            <a:avLst/>
+          </a:prstGeom>
+        </p:spPr>
+        <p:style>
+          <a:lnRef idx="2">
+            <a:schemeClr val="accent1">
+              <a:shade val="50000"/>
+            </a:schemeClr>
+          </a:lnRef>
+          <a:fillRef idx="1">
+            <a:schemeClr val="accent1"/>
+          </a:fillRef>
+          <a:effectRef idx="0">
+            <a:schemeClr val="accent1"/>
+          </a:effectRef>
+          <a:fontRef idx="minor">
+            <a:schemeClr val="lt1"/>
+          </a:fontRef>
+        </p:style>
+        <p:txBody>
+          <a:bodyPr rtlCol="0" anchor="ctr"/>
+          <a:lstStyle/>
+          <a:p>
+            <a:pPr algn="ctr"/>
+            <a:r>
+              <a:rPr lang="ja-JP" altLang="en-US"/>
+              <a:t>リソース</a:t>
+            </a:r>
+            <a:r>
+              <a:rPr lang="en-US" altLang="ja-JP" dirty="0"/>
+              <a:t>A</a:t>
+            </a:r>
+            <a:endParaRPr kumimoji="1" lang="ja-JP" altLang="en-US"/>
+          </a:p>
+        </p:txBody>
+      </p:sp>
+      <p:sp>
+        <p:nvSpPr>
+          <p:cNvPr id="2" name="正方形/長方形 1">
+            <a:extLst>
+              <a:ext uri="{FF2B5EF4-FFF2-40B4-BE49-F238E27FC236}">
+                <a16:creationId xmlns:a16="http://schemas.microsoft.com/office/drawing/2014/main" id="{2D26C882-325C-FEE6-73E6-247C7B5BDEF9}"/>
+              </a:ext>
+            </a:extLst>
+          </p:cNvPr>
+          <p:cNvSpPr/>
+          <p:nvPr/>
+        </p:nvSpPr>
+        <p:spPr>
+          <a:xfrm>
+            <a:off x="3423776" y="330661"/>
+            <a:ext cx="1846053" cy="6196678"/>
+          </a:xfrm>
+          <a:prstGeom prst="rect">
+            <a:avLst/>
+          </a:prstGeom>
+          <a:noFill/>
+          <a:ln w="28575">
+            <a:solidFill>
+              <a:srgbClr val="00B050"/>
+            </a:solidFill>
+            <a:prstDash val="sysDash"/>
+          </a:ln>
+        </p:spPr>
+        <p:style>
+          <a:lnRef idx="2">
+            <a:schemeClr val="accent1">
+              <a:shade val="50000"/>
+            </a:schemeClr>
+          </a:lnRef>
+          <a:fillRef idx="1">
+            <a:schemeClr val="accent1"/>
+          </a:fillRef>
+          <a:effectRef idx="0">
+            <a:schemeClr val="accent1"/>
+          </a:effectRef>
+          <a:fontRef idx="minor">
+            <a:schemeClr val="lt1"/>
+          </a:fontRef>
+        </p:style>
+        <p:txBody>
+          <a:bodyPr rtlCol="0" anchor="ctr"/>
+          <a:lstStyle/>
+          <a:p>
+            <a:pPr algn="ctr"/>
+            <a:endParaRPr kumimoji="1" lang="ja-JP" altLang="en-US"/>
+          </a:p>
+        </p:txBody>
+      </p:sp>
+      <p:sp>
+        <p:nvSpPr>
+          <p:cNvPr id="3" name="正方形/長方形 2">
+            <a:extLst>
+              <a:ext uri="{FF2B5EF4-FFF2-40B4-BE49-F238E27FC236}">
+                <a16:creationId xmlns:a16="http://schemas.microsoft.com/office/drawing/2014/main" id="{F331CF2F-FC45-1361-D1C5-F317771230C8}"/>
+              </a:ext>
+            </a:extLst>
+          </p:cNvPr>
+          <p:cNvSpPr/>
+          <p:nvPr/>
+        </p:nvSpPr>
+        <p:spPr>
+          <a:xfrm>
+            <a:off x="6024014" y="330661"/>
+            <a:ext cx="1846053" cy="6196678"/>
+          </a:xfrm>
+          <a:prstGeom prst="rect">
+            <a:avLst/>
+          </a:prstGeom>
+          <a:noFill/>
+          <a:ln w="28575">
+            <a:solidFill>
+              <a:schemeClr val="accent2"/>
+            </a:solidFill>
+            <a:prstDash val="sysDash"/>
+          </a:ln>
+        </p:spPr>
+        <p:style>
+          <a:lnRef idx="2">
+            <a:schemeClr val="accent1">
+              <a:shade val="50000"/>
+            </a:schemeClr>
+          </a:lnRef>
+          <a:fillRef idx="1">
+            <a:schemeClr val="accent1"/>
+          </a:fillRef>
+          <a:effectRef idx="0">
+            <a:schemeClr val="accent1"/>
+          </a:effectRef>
+          <a:fontRef idx="minor">
+            <a:schemeClr val="lt1"/>
+          </a:fontRef>
+        </p:style>
+        <p:txBody>
+          <a:bodyPr rtlCol="0" anchor="ctr"/>
+          <a:lstStyle/>
+          <a:p>
+            <a:pPr algn="ctr"/>
+            <a:endParaRPr kumimoji="1" lang="ja-JP" altLang="en-US"/>
+          </a:p>
+        </p:txBody>
+      </p:sp>
+      <p:sp>
+        <p:nvSpPr>
+          <p:cNvPr id="10" name="正方形/長方形 9">
+            <a:extLst>
+              <a:ext uri="{FF2B5EF4-FFF2-40B4-BE49-F238E27FC236}">
+                <a16:creationId xmlns:a16="http://schemas.microsoft.com/office/drawing/2014/main" id="{9CE88D22-56D1-35D7-7D06-26C6228D0074}"/>
+              </a:ext>
+            </a:extLst>
+          </p:cNvPr>
+          <p:cNvSpPr/>
+          <p:nvPr/>
+        </p:nvSpPr>
+        <p:spPr>
+          <a:xfrm>
+            <a:off x="8624252" y="330661"/>
+            <a:ext cx="1846053" cy="6196678"/>
+          </a:xfrm>
+          <a:prstGeom prst="rect">
+            <a:avLst/>
+          </a:prstGeom>
+          <a:noFill/>
+          <a:ln w="28575">
+            <a:solidFill>
+              <a:srgbClr val="FF0000"/>
+            </a:solidFill>
+            <a:prstDash val="sysDash"/>
+          </a:ln>
+        </p:spPr>
+        <p:style>
+          <a:lnRef idx="2">
+            <a:schemeClr val="accent1">
+              <a:shade val="50000"/>
+            </a:schemeClr>
+          </a:lnRef>
+          <a:fillRef idx="1">
+            <a:schemeClr val="accent1"/>
+          </a:fillRef>
+          <a:effectRef idx="0">
+            <a:schemeClr val="accent1"/>
+          </a:effectRef>
+          <a:fontRef idx="minor">
+            <a:schemeClr val="lt1"/>
+          </a:fontRef>
+        </p:style>
+        <p:txBody>
+          <a:bodyPr rtlCol="0" anchor="ctr"/>
+          <a:lstStyle/>
+          <a:p>
+            <a:pPr algn="ctr"/>
+            <a:endParaRPr kumimoji="1" lang="ja-JP" altLang="en-US"/>
+          </a:p>
+        </p:txBody>
+      </p:sp>
+      <p:sp>
+        <p:nvSpPr>
+          <p:cNvPr id="12" name="テキスト ボックス 11">
+            <a:extLst>
+              <a:ext uri="{FF2B5EF4-FFF2-40B4-BE49-F238E27FC236}">
+                <a16:creationId xmlns:a16="http://schemas.microsoft.com/office/drawing/2014/main" id="{891FCF25-E63E-ADC0-3DF3-831F7ACB1FBB}"/>
+              </a:ext>
+            </a:extLst>
+          </p:cNvPr>
+          <p:cNvSpPr txBox="1"/>
+          <p:nvPr/>
+        </p:nvSpPr>
+        <p:spPr>
+          <a:xfrm>
+            <a:off x="3940793" y="469871"/>
+            <a:ext cx="800219" cy="461665"/>
+          </a:xfrm>
+          <a:prstGeom prst="rect">
+            <a:avLst/>
+          </a:prstGeom>
+          <a:noFill/>
+        </p:spPr>
+        <p:txBody>
+          <a:bodyPr wrap="none" rtlCol="0">
+            <a:spAutoFit/>
+          </a:bodyPr>
+          <a:lstStyle/>
+          <a:p>
+            <a:r>
+              <a:rPr kumimoji="1" lang="ja-JP" altLang="en-US" sz="2400">
+                <a:solidFill>
+                  <a:srgbClr val="00B050"/>
+                </a:solidFill>
+              </a:rPr>
+              <a:t>作成</a:t>
+            </a:r>
+          </a:p>
+        </p:txBody>
+      </p:sp>
+      <p:sp>
+        <p:nvSpPr>
+          <p:cNvPr id="20" name="テキスト ボックス 19">
+            <a:extLst>
+              <a:ext uri="{FF2B5EF4-FFF2-40B4-BE49-F238E27FC236}">
+                <a16:creationId xmlns:a16="http://schemas.microsoft.com/office/drawing/2014/main" id="{E5A7F474-9C6A-8327-BE7E-F3062B34618F}"/>
+              </a:ext>
+            </a:extLst>
+          </p:cNvPr>
+          <p:cNvSpPr txBox="1"/>
+          <p:nvPr/>
+        </p:nvSpPr>
+        <p:spPr>
+          <a:xfrm>
+            <a:off x="6546929" y="469870"/>
+            <a:ext cx="800219" cy="461665"/>
+          </a:xfrm>
+          <a:prstGeom prst="rect">
+            <a:avLst/>
+          </a:prstGeom>
+          <a:noFill/>
+        </p:spPr>
+        <p:txBody>
+          <a:bodyPr wrap="none" rtlCol="0">
+            <a:spAutoFit/>
+          </a:bodyPr>
+          <a:lstStyle/>
+          <a:p>
+            <a:r>
+              <a:rPr kumimoji="1" lang="ja-JP" altLang="en-US" sz="2400">
+                <a:solidFill>
+                  <a:schemeClr val="accent2"/>
+                </a:solidFill>
+              </a:rPr>
+              <a:t>更新</a:t>
+            </a:r>
+          </a:p>
+        </p:txBody>
+      </p:sp>
+      <p:sp>
+        <p:nvSpPr>
+          <p:cNvPr id="21" name="テキスト ボックス 20">
+            <a:extLst>
+              <a:ext uri="{FF2B5EF4-FFF2-40B4-BE49-F238E27FC236}">
+                <a16:creationId xmlns:a16="http://schemas.microsoft.com/office/drawing/2014/main" id="{A44C247B-A40D-86EB-2412-478329FE62E8}"/>
+              </a:ext>
+            </a:extLst>
+          </p:cNvPr>
+          <p:cNvSpPr txBox="1"/>
+          <p:nvPr/>
+        </p:nvSpPr>
+        <p:spPr>
+          <a:xfrm>
+            <a:off x="9174486" y="469869"/>
+            <a:ext cx="800219" cy="461665"/>
+          </a:xfrm>
+          <a:prstGeom prst="rect">
+            <a:avLst/>
+          </a:prstGeom>
+          <a:noFill/>
+        </p:spPr>
+        <p:txBody>
+          <a:bodyPr wrap="none" rtlCol="0">
+            <a:spAutoFit/>
+          </a:bodyPr>
+          <a:lstStyle/>
+          <a:p>
+            <a:r>
+              <a:rPr kumimoji="1" lang="ja-JP" altLang="en-US" sz="2400">
+                <a:solidFill>
+                  <a:srgbClr val="FF0000"/>
+                </a:solidFill>
+              </a:rPr>
+              <a:t>削除</a:t>
+            </a:r>
+          </a:p>
+        </p:txBody>
+      </p:sp>
+      <p:sp>
+        <p:nvSpPr>
+          <p:cNvPr id="22" name="角丸四角形 21">
+            <a:extLst>
+              <a:ext uri="{FF2B5EF4-FFF2-40B4-BE49-F238E27FC236}">
+                <a16:creationId xmlns:a16="http://schemas.microsoft.com/office/drawing/2014/main" id="{10882C9F-B40D-5575-C290-351966B342DD}"/>
+              </a:ext>
+            </a:extLst>
+          </p:cNvPr>
+          <p:cNvSpPr/>
+          <p:nvPr/>
+        </p:nvSpPr>
+        <p:spPr>
+          <a:xfrm>
+            <a:off x="8824817" y="5259312"/>
             <a:ext cx="1499559" cy="1061049"/>
           </a:xfrm>
           <a:prstGeom prst="roundRect">
@@ -5158,167 +5697,124 @@
       </p:sp>
       <p:sp>
         <p:nvSpPr>
-          <p:cNvPr id="2" name="正方形/長方形 1">
-            <a:extLst>
-              <a:ext uri="{FF2B5EF4-FFF2-40B4-BE49-F238E27FC236}">
-                <a16:creationId xmlns:a16="http://schemas.microsoft.com/office/drawing/2014/main" id="{2D26C882-325C-FEE6-73E6-247C7B5BDEF9}"/>
-              </a:ext>
-            </a:extLst>
-          </p:cNvPr>
-          <p:cNvSpPr/>
+          <p:cNvPr id="25" name="テキスト ボックス 24">
+            <a:extLst>
+              <a:ext uri="{FF2B5EF4-FFF2-40B4-BE49-F238E27FC236}">
+                <a16:creationId xmlns:a16="http://schemas.microsoft.com/office/drawing/2014/main" id="{ECD8444C-C678-0CE2-9D14-8AD90ECA7D5B}"/>
+              </a:ext>
+            </a:extLst>
+          </p:cNvPr>
+          <p:cNvSpPr txBox="1"/>
           <p:nvPr/>
         </p:nvSpPr>
         <p:spPr>
           <a:xfrm>
-            <a:off x="1551850" y="330661"/>
-            <a:ext cx="1846053" cy="6294426"/>
+            <a:off x="399268" y="5522641"/>
+            <a:ext cx="2723823" cy="646331"/>
           </a:xfrm>
           <a:prstGeom prst="rect">
             <a:avLst/>
           </a:prstGeom>
           <a:noFill/>
-          <a:ln w="19050">
-            <a:solidFill>
-              <a:srgbClr val="0070C0"/>
-            </a:solidFill>
-            <a:prstDash val="sysDash"/>
-          </a:ln>
         </p:spPr>
-        <p:style>
-          <a:lnRef idx="2">
-            <a:schemeClr val="accent1">
-              <a:shade val="50000"/>
-            </a:schemeClr>
-          </a:lnRef>
-          <a:fillRef idx="1">
-            <a:schemeClr val="accent1"/>
-          </a:fillRef>
-          <a:effectRef idx="0">
-            <a:schemeClr val="accent1"/>
-          </a:effectRef>
-          <a:fontRef idx="minor">
-            <a:schemeClr val="lt1"/>
-          </a:fontRef>
-        </p:style>
-        <p:txBody>
-          <a:bodyPr rtlCol="0" anchor="ctr"/>
-          <a:lstStyle/>
-          <a:p>
-            <a:pPr algn="ctr"/>
-            <a:endParaRPr kumimoji="1" lang="ja-JP" altLang="en-US"/>
-          </a:p>
-        </p:txBody>
-      </p:sp>
-      <p:sp>
-        <p:nvSpPr>
-          <p:cNvPr id="3" name="正方形/長方形 2">
-            <a:extLst>
-              <a:ext uri="{FF2B5EF4-FFF2-40B4-BE49-F238E27FC236}">
-                <a16:creationId xmlns:a16="http://schemas.microsoft.com/office/drawing/2014/main" id="{F331CF2F-FC45-1361-D1C5-F317771230C8}"/>
-              </a:ext>
-            </a:extLst>
-          </p:cNvPr>
-          <p:cNvSpPr/>
+        <p:txBody>
+          <a:bodyPr wrap="none" rtlCol="0">
+            <a:spAutoFit/>
+          </a:bodyPr>
+          <a:lstStyle/>
+          <a:p>
+            <a:r>
+              <a:rPr lang="ja-JP" altLang="en-US"/>
+              <a:t>テンプレート</a:t>
+            </a:r>
+            <a:r>
+              <a:rPr kumimoji="1" lang="ja-JP" altLang="en-US"/>
+              <a:t>デプロイ</a:t>
+            </a:r>
+            <a:r>
+              <a:rPr lang="ja-JP" altLang="en-US">
+                <a:solidFill>
+                  <a:srgbClr val="FF0000"/>
+                </a:solidFill>
+              </a:rPr>
+              <a:t>後</a:t>
+            </a:r>
+            <a:endParaRPr lang="en-US" altLang="ja-JP" dirty="0">
+              <a:solidFill>
+                <a:srgbClr val="FF0000"/>
+              </a:solidFill>
+            </a:endParaRPr>
+          </a:p>
+          <a:p>
+            <a:r>
+              <a:rPr kumimoji="1" lang="ja-JP" altLang="en-US"/>
+              <a:t>のリソースグループ</a:t>
+            </a:r>
+          </a:p>
+        </p:txBody>
+      </p:sp>
+      <p:sp>
+        <p:nvSpPr>
+          <p:cNvPr id="26" name="テキスト ボックス 25">
+            <a:extLst>
+              <a:ext uri="{FF2B5EF4-FFF2-40B4-BE49-F238E27FC236}">
+                <a16:creationId xmlns:a16="http://schemas.microsoft.com/office/drawing/2014/main" id="{1EF98BD3-5477-8008-3265-53E310BC75A1}"/>
+              </a:ext>
+            </a:extLst>
+          </p:cNvPr>
+          <p:cNvSpPr txBox="1"/>
           <p:nvPr/>
         </p:nvSpPr>
         <p:spPr>
           <a:xfrm>
-            <a:off x="4152088" y="330661"/>
-            <a:ext cx="1846053" cy="6294426"/>
+            <a:off x="399268" y="3441568"/>
+            <a:ext cx="2723823" cy="646331"/>
           </a:xfrm>
           <a:prstGeom prst="rect">
             <a:avLst/>
           </a:prstGeom>
           <a:noFill/>
-          <a:ln w="19050">
-            <a:solidFill>
-              <a:srgbClr val="0070C0"/>
-            </a:solidFill>
-            <a:prstDash val="sysDash"/>
-          </a:ln>
         </p:spPr>
-        <p:style>
-          <a:lnRef idx="2">
-            <a:schemeClr val="accent1">
-              <a:shade val="50000"/>
-            </a:schemeClr>
-          </a:lnRef>
-          <a:fillRef idx="1">
-            <a:schemeClr val="accent1"/>
-          </a:fillRef>
-          <a:effectRef idx="0">
-            <a:schemeClr val="accent1"/>
-          </a:effectRef>
-          <a:fontRef idx="minor">
-            <a:schemeClr val="lt1"/>
-          </a:fontRef>
-        </p:style>
-        <p:txBody>
-          <a:bodyPr rtlCol="0" anchor="ctr"/>
-          <a:lstStyle/>
-          <a:p>
-            <a:pPr algn="ctr"/>
-            <a:endParaRPr kumimoji="1" lang="ja-JP" altLang="en-US"/>
-          </a:p>
-        </p:txBody>
-      </p:sp>
-      <p:sp>
-        <p:nvSpPr>
-          <p:cNvPr id="10" name="正方形/長方形 9">
-            <a:extLst>
-              <a:ext uri="{FF2B5EF4-FFF2-40B4-BE49-F238E27FC236}">
-                <a16:creationId xmlns:a16="http://schemas.microsoft.com/office/drawing/2014/main" id="{9CE88D22-56D1-35D7-7D06-26C6228D0074}"/>
-              </a:ext>
-            </a:extLst>
-          </p:cNvPr>
-          <p:cNvSpPr/>
-          <p:nvPr/>
-        </p:nvSpPr>
-        <p:spPr>
-          <a:xfrm>
-            <a:off x="6752326" y="330661"/>
-            <a:ext cx="1846053" cy="6294426"/>
-          </a:xfrm>
-          <a:prstGeom prst="rect">
-            <a:avLst/>
-          </a:prstGeom>
-          <a:noFill/>
-          <a:ln w="19050">
-            <a:solidFill>
-              <a:srgbClr val="0070C0"/>
-            </a:solidFill>
-            <a:prstDash val="sysDash"/>
-          </a:ln>
-        </p:spPr>
-        <p:style>
-          <a:lnRef idx="2">
-            <a:schemeClr val="accent1">
-              <a:shade val="50000"/>
-            </a:schemeClr>
-          </a:lnRef>
-          <a:fillRef idx="1">
-            <a:schemeClr val="accent1"/>
-          </a:fillRef>
-          <a:effectRef idx="0">
-            <a:schemeClr val="accent1"/>
-          </a:effectRef>
-          <a:fontRef idx="minor">
-            <a:schemeClr val="lt1"/>
-          </a:fontRef>
-        </p:style>
-        <p:txBody>
-          <a:bodyPr rtlCol="0" anchor="ctr"/>
-          <a:lstStyle/>
-          <a:p>
-            <a:pPr algn="ctr"/>
-            <a:endParaRPr kumimoji="1" lang="ja-JP" altLang="en-US"/>
+        <p:txBody>
+          <a:bodyPr wrap="none" rtlCol="0">
+            <a:spAutoFit/>
+          </a:bodyPr>
+          <a:lstStyle/>
+          <a:p>
+            <a:r>
+              <a:rPr lang="ja-JP" altLang="en-US"/>
+              <a:t>テンプレート</a:t>
+            </a:r>
+            <a:r>
+              <a:rPr kumimoji="1" lang="ja-JP" altLang="en-US"/>
+              <a:t>デプロイ</a:t>
+            </a:r>
+            <a:r>
+              <a:rPr kumimoji="1" lang="ja-JP" altLang="en-US">
+                <a:solidFill>
+                  <a:srgbClr val="002060"/>
+                </a:solidFill>
+              </a:rPr>
+              <a:t>前</a:t>
+            </a:r>
+            <a:endParaRPr kumimoji="1" lang="en-US" altLang="ja-JP" dirty="0">
+              <a:solidFill>
+                <a:srgbClr val="002060"/>
+              </a:solidFill>
+            </a:endParaRPr>
+          </a:p>
+          <a:p>
+            <a:r>
+              <a:rPr kumimoji="1" lang="ja-JP" altLang="en-US"/>
+              <a:t>のリソースグループ</a:t>
+            </a:r>
           </a:p>
         </p:txBody>
       </p:sp>
     </p:spTree>
     <p:extLst>
       <p:ext uri="{BB962C8B-B14F-4D97-AF65-F5344CB8AC3E}">
-        <p14:creationId xmlns:p14="http://schemas.microsoft.com/office/powerpoint/2010/main" val="2881068767"/>
+        <p14:creationId xmlns:p14="http://schemas.microsoft.com/office/powerpoint/2010/main" val="3058411220"/>
       </p:ext>
     </p:extLst>
   </p:cSld>
